--- a/Project.pptx
+++ b/Project.pptx
@@ -26,16 +26,22 @@
     <p:sldId id="271" r:id="rId21"/>
     <p:sldId id="272" r:id="rId22"/>
     <p:sldId id="273" r:id="rId23"/>
+    <p:sldId id="274" r:id="rId24"/>
+    <p:sldId id="275" r:id="rId25"/>
+    <p:sldId id="276" r:id="rId26"/>
+    <p:sldId id="277" r:id="rId27"/>
+    <p:sldId id="278" r:id="rId28"/>
+    <p:sldId id="279" r:id="rId29"/>
   </p:sldIdLst>
   <p:sldSz cy="5143500" cx="9144000"/>
   <p:notesSz cx="6858000" cy="9144000"/>
   <p:embeddedFontLst>
     <p:embeddedFont>
       <p:font typeface="Nunito"/>
-      <p:regular r:id="rId24"/>
-      <p:bold r:id="rId25"/>
-      <p:italic r:id="rId26"/>
-      <p:boldItalic r:id="rId27"/>
+      <p:regular r:id="rId30"/>
+      <p:bold r:id="rId31"/>
+      <p:italic r:id="rId32"/>
+      <p:boldItalic r:id="rId33"/>
     </p:embeddedFont>
   </p:embeddedFontLst>
   <p:defaultTextStyle>
@@ -816,7 +822,7 @@
   <p:cSld>
     <p:spTree>
       <p:nvGrpSpPr>
-        <p:cNvPr id="186" name="Shape 186"/>
+        <p:cNvPr id="188" name="Shape 188"/>
         <p:cNvGrpSpPr/>
         <p:nvPr/>
       </p:nvGrpSpPr>
@@ -830,7 +836,7 @@
       </p:grpSpPr>
       <p:sp>
         <p:nvSpPr>
-          <p:cNvPr id="187" name="Google Shape;187;g297334d26ff_0_67:notes"/>
+          <p:cNvPr id="189" name="Google Shape;189;g297334d26ff_0_59:notes"/>
           <p:cNvSpPr/>
           <p:nvPr>
             <p:ph idx="2" type="sldImg"/>
@@ -865,7 +871,7 @@
       </p:sp>
       <p:sp>
         <p:nvSpPr>
-          <p:cNvPr id="188" name="Google Shape;188;g297334d26ff_0_67:notes"/>
+          <p:cNvPr id="190" name="Google Shape;190;g297334d26ff_0_59:notes"/>
           <p:cNvSpPr txBox="1"/>
           <p:nvPr>
             <p:ph idx="1" type="body"/>
@@ -915,7 +921,7 @@
   <p:cSld>
     <p:spTree>
       <p:nvGrpSpPr>
-        <p:cNvPr id="193" name="Shape 193"/>
+        <p:cNvPr id="195" name="Shape 195"/>
         <p:cNvGrpSpPr/>
         <p:nvPr/>
       </p:nvGrpSpPr>
@@ -929,7 +935,7 @@
       </p:grpSpPr>
       <p:sp>
         <p:nvSpPr>
-          <p:cNvPr id="194" name="Google Shape;194;g297334d26ff_0_75:notes"/>
+          <p:cNvPr id="196" name="Google Shape;196;g297334d26ff_0_67:notes"/>
           <p:cNvSpPr/>
           <p:nvPr>
             <p:ph idx="2" type="sldImg"/>
@@ -964,7 +970,7 @@
       </p:sp>
       <p:sp>
         <p:nvSpPr>
-          <p:cNvPr id="195" name="Google Shape;195;g297334d26ff_0_75:notes"/>
+          <p:cNvPr id="197" name="Google Shape;197;g297334d26ff_0_67:notes"/>
           <p:cNvSpPr txBox="1"/>
           <p:nvPr>
             <p:ph idx="1" type="body"/>
@@ -1014,7 +1020,7 @@
   <p:cSld>
     <p:spTree>
       <p:nvGrpSpPr>
-        <p:cNvPr id="200" name="Shape 200"/>
+        <p:cNvPr id="202" name="Shape 202"/>
         <p:cNvGrpSpPr/>
         <p:nvPr/>
       </p:nvGrpSpPr>
@@ -1028,7 +1034,7 @@
       </p:grpSpPr>
       <p:sp>
         <p:nvSpPr>
-          <p:cNvPr id="201" name="Google Shape;201;g297334d26ff_0_89:notes"/>
+          <p:cNvPr id="203" name="Google Shape;203;g297334d26ff_0_75:notes"/>
           <p:cNvSpPr/>
           <p:nvPr>
             <p:ph idx="2" type="sldImg"/>
@@ -1063,7 +1069,7 @@
       </p:sp>
       <p:sp>
         <p:nvSpPr>
-          <p:cNvPr id="202" name="Google Shape;202;g297334d26ff_0_89:notes"/>
+          <p:cNvPr id="204" name="Google Shape;204;g297334d26ff_0_75:notes"/>
           <p:cNvSpPr txBox="1"/>
           <p:nvPr>
             <p:ph idx="1" type="body"/>
@@ -1113,7 +1119,7 @@
   <p:cSld>
     <p:spTree>
       <p:nvGrpSpPr>
-        <p:cNvPr id="207" name="Shape 207"/>
+        <p:cNvPr id="209" name="Shape 209"/>
         <p:cNvGrpSpPr/>
         <p:nvPr/>
       </p:nvGrpSpPr>
@@ -1127,7 +1133,7 @@
       </p:grpSpPr>
       <p:sp>
         <p:nvSpPr>
-          <p:cNvPr id="208" name="Google Shape;208;g297334d26ff_0_120:notes"/>
+          <p:cNvPr id="210" name="Google Shape;210;g29ab23aae2f_0_46:notes"/>
           <p:cNvSpPr/>
           <p:nvPr>
             <p:ph idx="2" type="sldImg"/>
@@ -1162,7 +1168,7 @@
       </p:sp>
       <p:sp>
         <p:nvSpPr>
-          <p:cNvPr id="209" name="Google Shape;209;g297334d26ff_0_120:notes"/>
+          <p:cNvPr id="211" name="Google Shape;211;g29ab23aae2f_0_46:notes"/>
           <p:cNvSpPr txBox="1"/>
           <p:nvPr>
             <p:ph idx="1" type="body"/>
@@ -1212,7 +1218,7 @@
   <p:cSld>
     <p:spTree>
       <p:nvGrpSpPr>
-        <p:cNvPr id="213" name="Shape 213"/>
+        <p:cNvPr id="216" name="Shape 216"/>
         <p:cNvGrpSpPr/>
         <p:nvPr/>
       </p:nvGrpSpPr>
@@ -1226,7 +1232,7 @@
       </p:grpSpPr>
       <p:sp>
         <p:nvSpPr>
-          <p:cNvPr id="214" name="Google Shape;214;g297334d26ff_0_97:notes"/>
+          <p:cNvPr id="217" name="Google Shape;217;g29ab23aae2f_0_39:notes"/>
           <p:cNvSpPr/>
           <p:nvPr>
             <p:ph idx="2" type="sldImg"/>
@@ -1261,7 +1267,7 @@
       </p:sp>
       <p:sp>
         <p:nvSpPr>
-          <p:cNvPr id="215" name="Google Shape;215;g297334d26ff_0_97:notes"/>
+          <p:cNvPr id="218" name="Google Shape;218;g29ab23aae2f_0_39:notes"/>
           <p:cNvSpPr txBox="1"/>
           <p:nvPr>
             <p:ph idx="1" type="body"/>
@@ -1311,7 +1317,7 @@
   <p:cSld>
     <p:spTree>
       <p:nvGrpSpPr>
-        <p:cNvPr id="219" name="Shape 219"/>
+        <p:cNvPr id="223" name="Shape 223"/>
         <p:cNvGrpSpPr/>
         <p:nvPr/>
       </p:nvGrpSpPr>
@@ -1325,7 +1331,7 @@
       </p:grpSpPr>
       <p:sp>
         <p:nvSpPr>
-          <p:cNvPr id="220" name="Google Shape;220;g297334d26ff_0_132:notes"/>
+          <p:cNvPr id="224" name="Google Shape;224;g297334d26ff_0_89:notes"/>
           <p:cNvSpPr/>
           <p:nvPr>
             <p:ph idx="2" type="sldImg"/>
@@ -1360,7 +1366,7 @@
       </p:sp>
       <p:sp>
         <p:nvSpPr>
-          <p:cNvPr id="221" name="Google Shape;221;g297334d26ff_0_132:notes"/>
+          <p:cNvPr id="225" name="Google Shape;225;g297334d26ff_0_89:notes"/>
           <p:cNvSpPr txBox="1"/>
           <p:nvPr>
             <p:ph idx="1" type="body"/>
@@ -1410,7 +1416,7 @@
   <p:cSld>
     <p:spTree>
       <p:nvGrpSpPr>
-        <p:cNvPr id="226" name="Shape 226"/>
+        <p:cNvPr id="230" name="Shape 230"/>
         <p:cNvGrpSpPr/>
         <p:nvPr/>
       </p:nvGrpSpPr>
@@ -1424,7 +1430,7 @@
       </p:grpSpPr>
       <p:sp>
         <p:nvSpPr>
-          <p:cNvPr id="227" name="Google Shape;227;g297334d26ff_0_139:notes"/>
+          <p:cNvPr id="231" name="Google Shape;231;g29ab23aae2f_0_60:notes"/>
           <p:cNvSpPr/>
           <p:nvPr>
             <p:ph idx="2" type="sldImg"/>
@@ -1459,7 +1465,7 @@
       </p:sp>
       <p:sp>
         <p:nvSpPr>
-          <p:cNvPr id="228" name="Google Shape;228;g297334d26ff_0_139:notes"/>
+          <p:cNvPr id="232" name="Google Shape;232;g29ab23aae2f_0_60:notes"/>
           <p:cNvSpPr txBox="1"/>
           <p:nvPr>
             <p:ph idx="1" type="body"/>
@@ -1509,7 +1515,7 @@
   <p:cSld>
     <p:spTree>
       <p:nvGrpSpPr>
-        <p:cNvPr id="233" name="Shape 233"/>
+        <p:cNvPr id="238" name="Shape 238"/>
         <p:cNvGrpSpPr/>
         <p:nvPr/>
       </p:nvGrpSpPr>
@@ -1523,7 +1529,7 @@
       </p:grpSpPr>
       <p:sp>
         <p:nvSpPr>
-          <p:cNvPr id="234" name="Google Shape;234;g297334d26ff_0_147:notes"/>
+          <p:cNvPr id="239" name="Google Shape;239;g297334d26ff_0_120:notes"/>
           <p:cNvSpPr/>
           <p:nvPr>
             <p:ph idx="2" type="sldImg"/>
@@ -1558,7 +1564,7 @@
       </p:sp>
       <p:sp>
         <p:nvSpPr>
-          <p:cNvPr id="235" name="Google Shape;235;g297334d26ff_0_147:notes"/>
+          <p:cNvPr id="240" name="Google Shape;240;g297334d26ff_0_120:notes"/>
           <p:cNvSpPr txBox="1"/>
           <p:nvPr>
             <p:ph idx="1" type="body"/>
@@ -1608,7 +1614,7 @@
   <p:cSld>
     <p:spTree>
       <p:nvGrpSpPr>
-        <p:cNvPr id="240" name="Shape 240"/>
+        <p:cNvPr id="244" name="Shape 244"/>
         <p:cNvGrpSpPr/>
         <p:nvPr/>
       </p:nvGrpSpPr>
@@ -1622,7 +1628,7 @@
       </p:grpSpPr>
       <p:sp>
         <p:nvSpPr>
-          <p:cNvPr id="241" name="Google Shape;241;g297334d26ff_0_157:notes"/>
+          <p:cNvPr id="245" name="Google Shape;245;g297334d26ff_0_97:notes"/>
           <p:cNvSpPr/>
           <p:nvPr>
             <p:ph idx="2" type="sldImg"/>
@@ -1657,7 +1663,106 @@
       </p:sp>
       <p:sp>
         <p:nvSpPr>
-          <p:cNvPr id="242" name="Google Shape;242;g297334d26ff_0_157:notes"/>
+          <p:cNvPr id="246" name="Google Shape;246;g297334d26ff_0_97:notes"/>
+          <p:cNvSpPr txBox="1"/>
+          <p:nvPr>
+            <p:ph idx="1" type="body"/>
+          </p:nvPr>
+        </p:nvSpPr>
+        <p:spPr>
+          <a:xfrm>
+            <a:off x="685800" y="4343400"/>
+            <a:ext cx="5486400" cy="4114800"/>
+          </a:xfrm>
+          <a:prstGeom prst="rect">
+            <a:avLst/>
+          </a:prstGeom>
+        </p:spPr>
+        <p:txBody>
+          <a:bodyPr anchorCtr="0" anchor="t" bIns="91425" lIns="91425" spcFirstLastPara="1" rIns="91425" wrap="square" tIns="91425">
+            <a:noAutofit/>
+          </a:bodyPr>
+          <a:lstStyle/>
+          <a:p>
+            <a:pPr indent="0" lvl="0" marL="0" rtl="0" algn="l">
+              <a:spcBef>
+                <a:spcPts val="0"/>
+              </a:spcBef>
+              <a:spcAft>
+                <a:spcPts val="0"/>
+              </a:spcAft>
+              <a:buNone/>
+            </a:pPr>
+            <a:r>
+              <a:t/>
+            </a:r>
+            <a:endParaRPr/>
+          </a:p>
+        </p:txBody>
+      </p:sp>
+    </p:spTree>
+  </p:cSld>
+  <p:clrMapOvr>
+    <a:masterClrMapping/>
+  </p:clrMapOvr>
+</p:notes>
+</file>
+
+<file path=ppt/notesSlides/notesSlide19.xml><?xml version="1.0" encoding="utf-8"?>
+<p:notes xmlns:a="http://schemas.openxmlformats.org/drawingml/2006/main" xmlns:r="http://schemas.openxmlformats.org/officeDocument/2006/relationships" xmlns:mc="http://schemas.openxmlformats.org/markup-compatibility/2006" xmlns:mv="urn:schemas-microsoft-com:mac:vml" xmlns:p="http://schemas.openxmlformats.org/presentationml/2006/main" xmlns:c="http://schemas.openxmlformats.org/drawingml/2006/chart" xmlns:dgm="http://schemas.openxmlformats.org/drawingml/2006/diagram" xmlns:o="urn:schemas-microsoft-com:office:office" xmlns:v="urn:schemas-microsoft-com:vml" xmlns:pvml="urn:schemas-microsoft-com:office:powerpoint" xmlns:com="http://schemas.openxmlformats.org/drawingml/2006/compatibility" xmlns:p14="http://schemas.microsoft.com/office/powerpoint/2010/main" xmlns:p15="http://schemas.microsoft.com/office/powerpoint/2012/main" xmlns:ahyp="http://schemas.microsoft.com/office/drawing/2018/hyperlinkcolor" showMasterPhAnim="0" showMasterSp="0">
+  <p:cSld>
+    <p:spTree>
+      <p:nvGrpSpPr>
+        <p:cNvPr id="250" name="Shape 250"/>
+        <p:cNvGrpSpPr/>
+        <p:nvPr/>
+      </p:nvGrpSpPr>
+      <p:grpSpPr>
+        <a:xfrm>
+          <a:off x="0" y="0"/>
+          <a:ext cx="0" cy="0"/>
+          <a:chOff x="0" y="0"/>
+          <a:chExt cx="0" cy="0"/>
+        </a:xfrm>
+      </p:grpSpPr>
+      <p:sp>
+        <p:nvSpPr>
+          <p:cNvPr id="251" name="Google Shape;251;g297334d26ff_0_132:notes"/>
+          <p:cNvSpPr/>
+          <p:nvPr>
+            <p:ph idx="2" type="sldImg"/>
+          </p:nvPr>
+        </p:nvSpPr>
+        <p:spPr>
+          <a:xfrm>
+            <a:off x="381300" y="685800"/>
+            <a:ext cx="6096000" cy="3429000"/>
+          </a:xfrm>
+          <a:custGeom>
+            <a:rect b="b" l="l" r="r" t="t"/>
+            <a:pathLst>
+              <a:path extrusionOk="0" h="120000" w="120000">
+                <a:moveTo>
+                  <a:pt x="0" y="0"/>
+                </a:moveTo>
+                <a:lnTo>
+                  <a:pt x="120000" y="0"/>
+                </a:lnTo>
+                <a:lnTo>
+                  <a:pt x="120000" y="120000"/>
+                </a:lnTo>
+                <a:lnTo>
+                  <a:pt x="0" y="120000"/>
+                </a:lnTo>
+                <a:close/>
+              </a:path>
+            </a:pathLst>
+          </a:custGeom>
+        </p:spPr>
+      </p:sp>
+      <p:sp>
+        <p:nvSpPr>
+          <p:cNvPr id="252" name="Google Shape;252;g297334d26ff_0_132:notes"/>
           <p:cNvSpPr txBox="1"/>
           <p:nvPr>
             <p:ph idx="1" type="body"/>
@@ -1801,12 +1906,12 @@
 </p:notes>
 </file>
 
-<file path=ppt/notesSlides/notesSlide3.xml><?xml version="1.0" encoding="utf-8"?>
+<file path=ppt/notesSlides/notesSlide20.xml><?xml version="1.0" encoding="utf-8"?>
 <p:notes xmlns:a="http://schemas.openxmlformats.org/drawingml/2006/main" xmlns:r="http://schemas.openxmlformats.org/officeDocument/2006/relationships" xmlns:mc="http://schemas.openxmlformats.org/markup-compatibility/2006" xmlns:mv="urn:schemas-microsoft-com:mac:vml" xmlns:p="http://schemas.openxmlformats.org/presentationml/2006/main" xmlns:c="http://schemas.openxmlformats.org/drawingml/2006/chart" xmlns:dgm="http://schemas.openxmlformats.org/drawingml/2006/diagram" xmlns:o="urn:schemas-microsoft-com:office:office" xmlns:v="urn:schemas-microsoft-com:vml" xmlns:pvml="urn:schemas-microsoft-com:office:powerpoint" xmlns:com="http://schemas.openxmlformats.org/drawingml/2006/compatibility" xmlns:p14="http://schemas.microsoft.com/office/powerpoint/2010/main" xmlns:p15="http://schemas.microsoft.com/office/powerpoint/2012/main" xmlns:ahyp="http://schemas.microsoft.com/office/drawing/2018/hyperlinkcolor" showMasterPhAnim="0" showMasterSp="0">
   <p:cSld>
     <p:spTree>
       <p:nvGrpSpPr>
-        <p:cNvPr id="137" name="Shape 137"/>
+        <p:cNvPr id="257" name="Shape 257"/>
         <p:cNvGrpSpPr/>
         <p:nvPr/>
       </p:nvGrpSpPr>
@@ -1820,7 +1925,7 @@
       </p:grpSpPr>
       <p:sp>
         <p:nvSpPr>
-          <p:cNvPr id="138" name="Google Shape;138;g297334d26ff_0_10:notes"/>
+          <p:cNvPr id="258" name="Google Shape;258;g297334d26ff_0_139:notes"/>
           <p:cNvSpPr/>
           <p:nvPr>
             <p:ph idx="2" type="sldImg"/>
@@ -1855,7 +1960,502 @@
       </p:sp>
       <p:sp>
         <p:nvSpPr>
-          <p:cNvPr id="139" name="Google Shape;139;g297334d26ff_0_10:notes"/>
+          <p:cNvPr id="259" name="Google Shape;259;g297334d26ff_0_139:notes"/>
+          <p:cNvSpPr txBox="1"/>
+          <p:nvPr>
+            <p:ph idx="1" type="body"/>
+          </p:nvPr>
+        </p:nvSpPr>
+        <p:spPr>
+          <a:xfrm>
+            <a:off x="685800" y="4343400"/>
+            <a:ext cx="5486400" cy="4114800"/>
+          </a:xfrm>
+          <a:prstGeom prst="rect">
+            <a:avLst/>
+          </a:prstGeom>
+        </p:spPr>
+        <p:txBody>
+          <a:bodyPr anchorCtr="0" anchor="t" bIns="91425" lIns="91425" spcFirstLastPara="1" rIns="91425" wrap="square" tIns="91425">
+            <a:noAutofit/>
+          </a:bodyPr>
+          <a:lstStyle/>
+          <a:p>
+            <a:pPr indent="0" lvl="0" marL="0" rtl="0" algn="l">
+              <a:spcBef>
+                <a:spcPts val="0"/>
+              </a:spcBef>
+              <a:spcAft>
+                <a:spcPts val="0"/>
+              </a:spcAft>
+              <a:buNone/>
+            </a:pPr>
+            <a:r>
+              <a:t/>
+            </a:r>
+            <a:endParaRPr/>
+          </a:p>
+        </p:txBody>
+      </p:sp>
+    </p:spTree>
+  </p:cSld>
+  <p:clrMapOvr>
+    <a:masterClrMapping/>
+  </p:clrMapOvr>
+</p:notes>
+</file>
+
+<file path=ppt/notesSlides/notesSlide21.xml><?xml version="1.0" encoding="utf-8"?>
+<p:notes xmlns:a="http://schemas.openxmlformats.org/drawingml/2006/main" xmlns:r="http://schemas.openxmlformats.org/officeDocument/2006/relationships" xmlns:mc="http://schemas.openxmlformats.org/markup-compatibility/2006" xmlns:mv="urn:schemas-microsoft-com:mac:vml" xmlns:p="http://schemas.openxmlformats.org/presentationml/2006/main" xmlns:c="http://schemas.openxmlformats.org/drawingml/2006/chart" xmlns:dgm="http://schemas.openxmlformats.org/drawingml/2006/diagram" xmlns:o="urn:schemas-microsoft-com:office:office" xmlns:v="urn:schemas-microsoft-com:vml" xmlns:pvml="urn:schemas-microsoft-com:office:powerpoint" xmlns:com="http://schemas.openxmlformats.org/drawingml/2006/compatibility" xmlns:p14="http://schemas.microsoft.com/office/powerpoint/2010/main" xmlns:p15="http://schemas.microsoft.com/office/powerpoint/2012/main" xmlns:ahyp="http://schemas.microsoft.com/office/drawing/2018/hyperlinkcolor" showMasterPhAnim="0" showMasterSp="0">
+  <p:cSld>
+    <p:spTree>
+      <p:nvGrpSpPr>
+        <p:cNvPr id="264" name="Shape 264"/>
+        <p:cNvGrpSpPr/>
+        <p:nvPr/>
+      </p:nvGrpSpPr>
+      <p:grpSpPr>
+        <a:xfrm>
+          <a:off x="0" y="0"/>
+          <a:ext cx="0" cy="0"/>
+          <a:chOff x="0" y="0"/>
+          <a:chExt cx="0" cy="0"/>
+        </a:xfrm>
+      </p:grpSpPr>
+      <p:sp>
+        <p:nvSpPr>
+          <p:cNvPr id="265" name="Google Shape;265;g297334d26ff_0_147:notes"/>
+          <p:cNvSpPr/>
+          <p:nvPr>
+            <p:ph idx="2" type="sldImg"/>
+          </p:nvPr>
+        </p:nvSpPr>
+        <p:spPr>
+          <a:xfrm>
+            <a:off x="381300" y="685800"/>
+            <a:ext cx="6096000" cy="3429000"/>
+          </a:xfrm>
+          <a:custGeom>
+            <a:rect b="b" l="l" r="r" t="t"/>
+            <a:pathLst>
+              <a:path extrusionOk="0" h="120000" w="120000">
+                <a:moveTo>
+                  <a:pt x="0" y="0"/>
+                </a:moveTo>
+                <a:lnTo>
+                  <a:pt x="120000" y="0"/>
+                </a:lnTo>
+                <a:lnTo>
+                  <a:pt x="120000" y="120000"/>
+                </a:lnTo>
+                <a:lnTo>
+                  <a:pt x="0" y="120000"/>
+                </a:lnTo>
+                <a:close/>
+              </a:path>
+            </a:pathLst>
+          </a:custGeom>
+        </p:spPr>
+      </p:sp>
+      <p:sp>
+        <p:nvSpPr>
+          <p:cNvPr id="266" name="Google Shape;266;g297334d26ff_0_147:notes"/>
+          <p:cNvSpPr txBox="1"/>
+          <p:nvPr>
+            <p:ph idx="1" type="body"/>
+          </p:nvPr>
+        </p:nvSpPr>
+        <p:spPr>
+          <a:xfrm>
+            <a:off x="685800" y="4343400"/>
+            <a:ext cx="5486400" cy="4114800"/>
+          </a:xfrm>
+          <a:prstGeom prst="rect">
+            <a:avLst/>
+          </a:prstGeom>
+        </p:spPr>
+        <p:txBody>
+          <a:bodyPr anchorCtr="0" anchor="t" bIns="91425" lIns="91425" spcFirstLastPara="1" rIns="91425" wrap="square" tIns="91425">
+            <a:noAutofit/>
+          </a:bodyPr>
+          <a:lstStyle/>
+          <a:p>
+            <a:pPr indent="0" lvl="0" marL="0" rtl="0" algn="l">
+              <a:spcBef>
+                <a:spcPts val="0"/>
+              </a:spcBef>
+              <a:spcAft>
+                <a:spcPts val="0"/>
+              </a:spcAft>
+              <a:buNone/>
+            </a:pPr>
+            <a:r>
+              <a:t/>
+            </a:r>
+            <a:endParaRPr/>
+          </a:p>
+        </p:txBody>
+      </p:sp>
+    </p:spTree>
+  </p:cSld>
+  <p:clrMapOvr>
+    <a:masterClrMapping/>
+  </p:clrMapOvr>
+</p:notes>
+</file>
+
+<file path=ppt/notesSlides/notesSlide22.xml><?xml version="1.0" encoding="utf-8"?>
+<p:notes xmlns:a="http://schemas.openxmlformats.org/drawingml/2006/main" xmlns:r="http://schemas.openxmlformats.org/officeDocument/2006/relationships" xmlns:mc="http://schemas.openxmlformats.org/markup-compatibility/2006" xmlns:mv="urn:schemas-microsoft-com:mac:vml" xmlns:p="http://schemas.openxmlformats.org/presentationml/2006/main" xmlns:c="http://schemas.openxmlformats.org/drawingml/2006/chart" xmlns:dgm="http://schemas.openxmlformats.org/drawingml/2006/diagram" xmlns:o="urn:schemas-microsoft-com:office:office" xmlns:v="urn:schemas-microsoft-com:vml" xmlns:pvml="urn:schemas-microsoft-com:office:powerpoint" xmlns:com="http://schemas.openxmlformats.org/drawingml/2006/compatibility" xmlns:p14="http://schemas.microsoft.com/office/powerpoint/2010/main" xmlns:p15="http://schemas.microsoft.com/office/powerpoint/2012/main" xmlns:ahyp="http://schemas.microsoft.com/office/drawing/2018/hyperlinkcolor" showMasterPhAnim="0" showMasterSp="0">
+  <p:cSld>
+    <p:spTree>
+      <p:nvGrpSpPr>
+        <p:cNvPr id="271" name="Shape 271"/>
+        <p:cNvGrpSpPr/>
+        <p:nvPr/>
+      </p:nvGrpSpPr>
+      <p:grpSpPr>
+        <a:xfrm>
+          <a:off x="0" y="0"/>
+          <a:ext cx="0" cy="0"/>
+          <a:chOff x="0" y="0"/>
+          <a:chExt cx="0" cy="0"/>
+        </a:xfrm>
+      </p:grpSpPr>
+      <p:sp>
+        <p:nvSpPr>
+          <p:cNvPr id="272" name="Google Shape;272;g297334d26ff_0_157:notes"/>
+          <p:cNvSpPr/>
+          <p:nvPr>
+            <p:ph idx="2" type="sldImg"/>
+          </p:nvPr>
+        </p:nvSpPr>
+        <p:spPr>
+          <a:xfrm>
+            <a:off x="381300" y="685800"/>
+            <a:ext cx="6096000" cy="3429000"/>
+          </a:xfrm>
+          <a:custGeom>
+            <a:rect b="b" l="l" r="r" t="t"/>
+            <a:pathLst>
+              <a:path extrusionOk="0" h="120000" w="120000">
+                <a:moveTo>
+                  <a:pt x="0" y="0"/>
+                </a:moveTo>
+                <a:lnTo>
+                  <a:pt x="120000" y="0"/>
+                </a:lnTo>
+                <a:lnTo>
+                  <a:pt x="120000" y="120000"/>
+                </a:lnTo>
+                <a:lnTo>
+                  <a:pt x="0" y="120000"/>
+                </a:lnTo>
+                <a:close/>
+              </a:path>
+            </a:pathLst>
+          </a:custGeom>
+        </p:spPr>
+      </p:sp>
+      <p:sp>
+        <p:nvSpPr>
+          <p:cNvPr id="273" name="Google Shape;273;g297334d26ff_0_157:notes"/>
+          <p:cNvSpPr txBox="1"/>
+          <p:nvPr>
+            <p:ph idx="1" type="body"/>
+          </p:nvPr>
+        </p:nvSpPr>
+        <p:spPr>
+          <a:xfrm>
+            <a:off x="685800" y="4343400"/>
+            <a:ext cx="5486400" cy="4114800"/>
+          </a:xfrm>
+          <a:prstGeom prst="rect">
+            <a:avLst/>
+          </a:prstGeom>
+        </p:spPr>
+        <p:txBody>
+          <a:bodyPr anchorCtr="0" anchor="t" bIns="91425" lIns="91425" spcFirstLastPara="1" rIns="91425" wrap="square" tIns="91425">
+            <a:noAutofit/>
+          </a:bodyPr>
+          <a:lstStyle/>
+          <a:p>
+            <a:pPr indent="0" lvl="0" marL="0" rtl="0" algn="l">
+              <a:spcBef>
+                <a:spcPts val="0"/>
+              </a:spcBef>
+              <a:spcAft>
+                <a:spcPts val="0"/>
+              </a:spcAft>
+              <a:buNone/>
+            </a:pPr>
+            <a:r>
+              <a:t/>
+            </a:r>
+            <a:endParaRPr/>
+          </a:p>
+        </p:txBody>
+      </p:sp>
+    </p:spTree>
+  </p:cSld>
+  <p:clrMapOvr>
+    <a:masterClrMapping/>
+  </p:clrMapOvr>
+</p:notes>
+</file>
+
+<file path=ppt/notesSlides/notesSlide23.xml><?xml version="1.0" encoding="utf-8"?>
+<p:notes xmlns:a="http://schemas.openxmlformats.org/drawingml/2006/main" xmlns:r="http://schemas.openxmlformats.org/officeDocument/2006/relationships" xmlns:mc="http://schemas.openxmlformats.org/markup-compatibility/2006" xmlns:mv="urn:schemas-microsoft-com:mac:vml" xmlns:p="http://schemas.openxmlformats.org/presentationml/2006/main" xmlns:c="http://schemas.openxmlformats.org/drawingml/2006/chart" xmlns:dgm="http://schemas.openxmlformats.org/drawingml/2006/diagram" xmlns:o="urn:schemas-microsoft-com:office:office" xmlns:v="urn:schemas-microsoft-com:vml" xmlns:pvml="urn:schemas-microsoft-com:office:powerpoint" xmlns:com="http://schemas.openxmlformats.org/drawingml/2006/compatibility" xmlns:p14="http://schemas.microsoft.com/office/powerpoint/2010/main" xmlns:p15="http://schemas.microsoft.com/office/powerpoint/2012/main" xmlns:ahyp="http://schemas.microsoft.com/office/drawing/2018/hyperlinkcolor" showMasterPhAnim="0" showMasterSp="0">
+  <p:cSld>
+    <p:spTree>
+      <p:nvGrpSpPr>
+        <p:cNvPr id="278" name="Shape 278"/>
+        <p:cNvGrpSpPr/>
+        <p:nvPr/>
+      </p:nvGrpSpPr>
+      <p:grpSpPr>
+        <a:xfrm>
+          <a:off x="0" y="0"/>
+          <a:ext cx="0" cy="0"/>
+          <a:chOff x="0" y="0"/>
+          <a:chExt cx="0" cy="0"/>
+        </a:xfrm>
+      </p:grpSpPr>
+      <p:sp>
+        <p:nvSpPr>
+          <p:cNvPr id="279" name="Google Shape;279;g29ab23aae2f_0_84:notes"/>
+          <p:cNvSpPr/>
+          <p:nvPr>
+            <p:ph idx="2" type="sldImg"/>
+          </p:nvPr>
+        </p:nvSpPr>
+        <p:spPr>
+          <a:xfrm>
+            <a:off x="381300" y="685800"/>
+            <a:ext cx="6096000" cy="3429000"/>
+          </a:xfrm>
+          <a:custGeom>
+            <a:rect b="b" l="l" r="r" t="t"/>
+            <a:pathLst>
+              <a:path extrusionOk="0" h="120000" w="120000">
+                <a:moveTo>
+                  <a:pt x="0" y="0"/>
+                </a:moveTo>
+                <a:lnTo>
+                  <a:pt x="120000" y="0"/>
+                </a:lnTo>
+                <a:lnTo>
+                  <a:pt x="120000" y="120000"/>
+                </a:lnTo>
+                <a:lnTo>
+                  <a:pt x="0" y="120000"/>
+                </a:lnTo>
+                <a:close/>
+              </a:path>
+            </a:pathLst>
+          </a:custGeom>
+        </p:spPr>
+      </p:sp>
+      <p:sp>
+        <p:nvSpPr>
+          <p:cNvPr id="280" name="Google Shape;280;g29ab23aae2f_0_84:notes"/>
+          <p:cNvSpPr txBox="1"/>
+          <p:nvPr>
+            <p:ph idx="1" type="body"/>
+          </p:nvPr>
+        </p:nvSpPr>
+        <p:spPr>
+          <a:xfrm>
+            <a:off x="685800" y="4343400"/>
+            <a:ext cx="5486400" cy="4114800"/>
+          </a:xfrm>
+          <a:prstGeom prst="rect">
+            <a:avLst/>
+          </a:prstGeom>
+        </p:spPr>
+        <p:txBody>
+          <a:bodyPr anchorCtr="0" anchor="t" bIns="91425" lIns="91425" spcFirstLastPara="1" rIns="91425" wrap="square" tIns="91425">
+            <a:noAutofit/>
+          </a:bodyPr>
+          <a:lstStyle/>
+          <a:p>
+            <a:pPr indent="0" lvl="0" marL="0" rtl="0" algn="l">
+              <a:spcBef>
+                <a:spcPts val="0"/>
+              </a:spcBef>
+              <a:spcAft>
+                <a:spcPts val="0"/>
+              </a:spcAft>
+              <a:buNone/>
+            </a:pPr>
+            <a:r>
+              <a:t/>
+            </a:r>
+            <a:endParaRPr/>
+          </a:p>
+        </p:txBody>
+      </p:sp>
+    </p:spTree>
+  </p:cSld>
+  <p:clrMapOvr>
+    <a:masterClrMapping/>
+  </p:clrMapOvr>
+</p:notes>
+</file>
+
+<file path=ppt/notesSlides/notesSlide24.xml><?xml version="1.0" encoding="utf-8"?>
+<p:notes xmlns:a="http://schemas.openxmlformats.org/drawingml/2006/main" xmlns:r="http://schemas.openxmlformats.org/officeDocument/2006/relationships" xmlns:mc="http://schemas.openxmlformats.org/markup-compatibility/2006" xmlns:mv="urn:schemas-microsoft-com:mac:vml" xmlns:p="http://schemas.openxmlformats.org/presentationml/2006/main" xmlns:c="http://schemas.openxmlformats.org/drawingml/2006/chart" xmlns:dgm="http://schemas.openxmlformats.org/drawingml/2006/diagram" xmlns:o="urn:schemas-microsoft-com:office:office" xmlns:v="urn:schemas-microsoft-com:vml" xmlns:pvml="urn:schemas-microsoft-com:office:powerpoint" xmlns:com="http://schemas.openxmlformats.org/drawingml/2006/compatibility" xmlns:p14="http://schemas.microsoft.com/office/powerpoint/2010/main" xmlns:p15="http://schemas.microsoft.com/office/powerpoint/2012/main" xmlns:ahyp="http://schemas.microsoft.com/office/drawing/2018/hyperlinkcolor" showMasterPhAnim="0" showMasterSp="0">
+  <p:cSld>
+    <p:spTree>
+      <p:nvGrpSpPr>
+        <p:cNvPr id="285" name="Shape 285"/>
+        <p:cNvGrpSpPr/>
+        <p:nvPr/>
+      </p:nvGrpSpPr>
+      <p:grpSpPr>
+        <a:xfrm>
+          <a:off x="0" y="0"/>
+          <a:ext cx="0" cy="0"/>
+          <a:chOff x="0" y="0"/>
+          <a:chExt cx="0" cy="0"/>
+        </a:xfrm>
+      </p:grpSpPr>
+      <p:sp>
+        <p:nvSpPr>
+          <p:cNvPr id="286" name="Google Shape;286;g29ab23aae2f_0_92:notes"/>
+          <p:cNvSpPr/>
+          <p:nvPr>
+            <p:ph idx="2" type="sldImg"/>
+          </p:nvPr>
+        </p:nvSpPr>
+        <p:spPr>
+          <a:xfrm>
+            <a:off x="381300" y="685800"/>
+            <a:ext cx="6096000" cy="3429000"/>
+          </a:xfrm>
+          <a:custGeom>
+            <a:rect b="b" l="l" r="r" t="t"/>
+            <a:pathLst>
+              <a:path extrusionOk="0" h="120000" w="120000">
+                <a:moveTo>
+                  <a:pt x="0" y="0"/>
+                </a:moveTo>
+                <a:lnTo>
+                  <a:pt x="120000" y="0"/>
+                </a:lnTo>
+                <a:lnTo>
+                  <a:pt x="120000" y="120000"/>
+                </a:lnTo>
+                <a:lnTo>
+                  <a:pt x="0" y="120000"/>
+                </a:lnTo>
+                <a:close/>
+              </a:path>
+            </a:pathLst>
+          </a:custGeom>
+        </p:spPr>
+      </p:sp>
+      <p:sp>
+        <p:nvSpPr>
+          <p:cNvPr id="287" name="Google Shape;287;g29ab23aae2f_0_92:notes"/>
+          <p:cNvSpPr txBox="1"/>
+          <p:nvPr>
+            <p:ph idx="1" type="body"/>
+          </p:nvPr>
+        </p:nvSpPr>
+        <p:spPr>
+          <a:xfrm>
+            <a:off x="685800" y="4343400"/>
+            <a:ext cx="5486400" cy="4114800"/>
+          </a:xfrm>
+          <a:prstGeom prst="rect">
+            <a:avLst/>
+          </a:prstGeom>
+        </p:spPr>
+        <p:txBody>
+          <a:bodyPr anchorCtr="0" anchor="t" bIns="91425" lIns="91425" spcFirstLastPara="1" rIns="91425" wrap="square" tIns="91425">
+            <a:noAutofit/>
+          </a:bodyPr>
+          <a:lstStyle/>
+          <a:p>
+            <a:pPr indent="0" lvl="0" marL="0" rtl="0" algn="l">
+              <a:spcBef>
+                <a:spcPts val="0"/>
+              </a:spcBef>
+              <a:spcAft>
+                <a:spcPts val="0"/>
+              </a:spcAft>
+              <a:buNone/>
+            </a:pPr>
+            <a:r>
+              <a:t/>
+            </a:r>
+            <a:endParaRPr/>
+          </a:p>
+        </p:txBody>
+      </p:sp>
+    </p:spTree>
+  </p:cSld>
+  <p:clrMapOvr>
+    <a:masterClrMapping/>
+  </p:clrMapOvr>
+</p:notes>
+</file>
+
+<file path=ppt/notesSlides/notesSlide3.xml><?xml version="1.0" encoding="utf-8"?>
+<p:notes xmlns:a="http://schemas.openxmlformats.org/drawingml/2006/main" xmlns:r="http://schemas.openxmlformats.org/officeDocument/2006/relationships" xmlns:mc="http://schemas.openxmlformats.org/markup-compatibility/2006" xmlns:mv="urn:schemas-microsoft-com:mac:vml" xmlns:p="http://schemas.openxmlformats.org/presentationml/2006/main" xmlns:c="http://schemas.openxmlformats.org/drawingml/2006/chart" xmlns:dgm="http://schemas.openxmlformats.org/drawingml/2006/diagram" xmlns:o="urn:schemas-microsoft-com:office:office" xmlns:v="urn:schemas-microsoft-com:vml" xmlns:pvml="urn:schemas-microsoft-com:office:powerpoint" xmlns:com="http://schemas.openxmlformats.org/drawingml/2006/compatibility" xmlns:p14="http://schemas.microsoft.com/office/powerpoint/2010/main" xmlns:p15="http://schemas.microsoft.com/office/powerpoint/2012/main" xmlns:ahyp="http://schemas.microsoft.com/office/drawing/2018/hyperlinkcolor" showMasterPhAnim="0" showMasterSp="0">
+  <p:cSld>
+    <p:spTree>
+      <p:nvGrpSpPr>
+        <p:cNvPr id="139" name="Shape 139"/>
+        <p:cNvGrpSpPr/>
+        <p:nvPr/>
+      </p:nvGrpSpPr>
+      <p:grpSpPr>
+        <a:xfrm>
+          <a:off x="0" y="0"/>
+          <a:ext cx="0" cy="0"/>
+          <a:chOff x="0" y="0"/>
+          <a:chExt cx="0" cy="0"/>
+        </a:xfrm>
+      </p:grpSpPr>
+      <p:sp>
+        <p:nvSpPr>
+          <p:cNvPr id="140" name="Google Shape;140;g29ab23aae2f_0_28:notes"/>
+          <p:cNvSpPr/>
+          <p:nvPr>
+            <p:ph idx="2" type="sldImg"/>
+          </p:nvPr>
+        </p:nvSpPr>
+        <p:spPr>
+          <a:xfrm>
+            <a:off x="381300" y="685800"/>
+            <a:ext cx="6096000" cy="3429000"/>
+          </a:xfrm>
+          <a:custGeom>
+            <a:rect b="b" l="l" r="r" t="t"/>
+            <a:pathLst>
+              <a:path extrusionOk="0" h="120000" w="120000">
+                <a:moveTo>
+                  <a:pt x="0" y="0"/>
+                </a:moveTo>
+                <a:lnTo>
+                  <a:pt x="120000" y="0"/>
+                </a:lnTo>
+                <a:lnTo>
+                  <a:pt x="120000" y="120000"/>
+                </a:lnTo>
+                <a:lnTo>
+                  <a:pt x="0" y="120000"/>
+                </a:lnTo>
+                <a:close/>
+              </a:path>
+            </a:pathLst>
+          </a:custGeom>
+        </p:spPr>
+      </p:sp>
+      <p:sp>
+        <p:nvSpPr>
+          <p:cNvPr id="141" name="Google Shape;141;g29ab23aae2f_0_28:notes"/>
           <p:cNvSpPr txBox="1"/>
           <p:nvPr>
             <p:ph idx="1" type="body"/>
@@ -1905,7 +2505,7 @@
   <p:cSld>
     <p:spTree>
       <p:nvGrpSpPr>
-        <p:cNvPr id="144" name="Shape 144"/>
+        <p:cNvPr id="146" name="Shape 146"/>
         <p:cNvGrpSpPr/>
         <p:nvPr/>
       </p:nvGrpSpPr>
@@ -1919,7 +2519,7 @@
       </p:grpSpPr>
       <p:sp>
         <p:nvSpPr>
-          <p:cNvPr id="145" name="Google Shape;145;g297334d26ff_0_17:notes"/>
+          <p:cNvPr id="147" name="Google Shape;147;g297334d26ff_0_10:notes"/>
           <p:cNvSpPr/>
           <p:nvPr>
             <p:ph idx="2" type="sldImg"/>
@@ -1954,7 +2554,7 @@
       </p:sp>
       <p:sp>
         <p:nvSpPr>
-          <p:cNvPr id="146" name="Google Shape;146;g297334d26ff_0_17:notes"/>
+          <p:cNvPr id="148" name="Google Shape;148;g297334d26ff_0_10:notes"/>
           <p:cNvSpPr txBox="1"/>
           <p:nvPr>
             <p:ph idx="1" type="body"/>
@@ -2004,7 +2604,7 @@
   <p:cSld>
     <p:spTree>
       <p:nvGrpSpPr>
-        <p:cNvPr id="151" name="Shape 151"/>
+        <p:cNvPr id="153" name="Shape 153"/>
         <p:cNvGrpSpPr/>
         <p:nvPr/>
       </p:nvGrpSpPr>
@@ -2018,7 +2618,7 @@
       </p:grpSpPr>
       <p:sp>
         <p:nvSpPr>
-          <p:cNvPr id="152" name="Google Shape;152;g297334d26ff_0_23:notes"/>
+          <p:cNvPr id="154" name="Google Shape;154;g297334d26ff_0_17:notes"/>
           <p:cNvSpPr/>
           <p:nvPr>
             <p:ph idx="2" type="sldImg"/>
@@ -2053,7 +2653,7 @@
       </p:sp>
       <p:sp>
         <p:nvSpPr>
-          <p:cNvPr id="153" name="Google Shape;153;g297334d26ff_0_23:notes"/>
+          <p:cNvPr id="155" name="Google Shape;155;g297334d26ff_0_17:notes"/>
           <p:cNvSpPr txBox="1"/>
           <p:nvPr>
             <p:ph idx="1" type="body"/>
@@ -2103,7 +2703,7 @@
   <p:cSld>
     <p:spTree>
       <p:nvGrpSpPr>
-        <p:cNvPr id="158" name="Shape 158"/>
+        <p:cNvPr id="160" name="Shape 160"/>
         <p:cNvGrpSpPr/>
         <p:nvPr/>
       </p:nvGrpSpPr>
@@ -2117,7 +2717,7 @@
       </p:grpSpPr>
       <p:sp>
         <p:nvSpPr>
-          <p:cNvPr id="159" name="Google Shape;159;g297334d26ff_0_30:notes"/>
+          <p:cNvPr id="161" name="Google Shape;161;g297334d26ff_0_23:notes"/>
           <p:cNvSpPr/>
           <p:nvPr>
             <p:ph idx="2" type="sldImg"/>
@@ -2152,7 +2752,7 @@
       </p:sp>
       <p:sp>
         <p:nvSpPr>
-          <p:cNvPr id="160" name="Google Shape;160;g297334d26ff_0_30:notes"/>
+          <p:cNvPr id="162" name="Google Shape;162;g297334d26ff_0_23:notes"/>
           <p:cNvSpPr txBox="1"/>
           <p:nvPr>
             <p:ph idx="1" type="body"/>
@@ -2202,7 +2802,7 @@
   <p:cSld>
     <p:spTree>
       <p:nvGrpSpPr>
-        <p:cNvPr id="165" name="Shape 165"/>
+        <p:cNvPr id="167" name="Shape 167"/>
         <p:cNvGrpSpPr/>
         <p:nvPr/>
       </p:nvGrpSpPr>
@@ -2216,7 +2816,7 @@
       </p:grpSpPr>
       <p:sp>
         <p:nvSpPr>
-          <p:cNvPr id="166" name="Google Shape;166;g297334d26ff_0_43:notes"/>
+          <p:cNvPr id="168" name="Google Shape;168;g297334d26ff_0_30:notes"/>
           <p:cNvSpPr/>
           <p:nvPr>
             <p:ph idx="2" type="sldImg"/>
@@ -2251,7 +2851,7 @@
       </p:sp>
       <p:sp>
         <p:nvSpPr>
-          <p:cNvPr id="167" name="Google Shape;167;g297334d26ff_0_43:notes"/>
+          <p:cNvPr id="169" name="Google Shape;169;g297334d26ff_0_30:notes"/>
           <p:cNvSpPr txBox="1"/>
           <p:nvPr>
             <p:ph idx="1" type="body"/>
@@ -2301,7 +2901,7 @@
   <p:cSld>
     <p:spTree>
       <p:nvGrpSpPr>
-        <p:cNvPr id="172" name="Shape 172"/>
+        <p:cNvPr id="174" name="Shape 174"/>
         <p:cNvGrpSpPr/>
         <p:nvPr/>
       </p:nvGrpSpPr>
@@ -2315,7 +2915,7 @@
       </p:grpSpPr>
       <p:sp>
         <p:nvSpPr>
-          <p:cNvPr id="173" name="Google Shape;173;g297334d26ff_0_51:notes"/>
+          <p:cNvPr id="175" name="Google Shape;175;g297334d26ff_0_43:notes"/>
           <p:cNvSpPr/>
           <p:nvPr>
             <p:ph idx="2" type="sldImg"/>
@@ -2350,7 +2950,7 @@
       </p:sp>
       <p:sp>
         <p:nvSpPr>
-          <p:cNvPr id="174" name="Google Shape;174;g297334d26ff_0_51:notes"/>
+          <p:cNvPr id="176" name="Google Shape;176;g297334d26ff_0_43:notes"/>
           <p:cNvSpPr txBox="1"/>
           <p:nvPr>
             <p:ph idx="1" type="body"/>
@@ -2400,7 +3000,7 @@
   <p:cSld>
     <p:spTree>
       <p:nvGrpSpPr>
-        <p:cNvPr id="179" name="Shape 179"/>
+        <p:cNvPr id="181" name="Shape 181"/>
         <p:cNvGrpSpPr/>
         <p:nvPr/>
       </p:nvGrpSpPr>
@@ -2414,7 +3014,7 @@
       </p:grpSpPr>
       <p:sp>
         <p:nvSpPr>
-          <p:cNvPr id="180" name="Google Shape;180;g297334d26ff_0_59:notes"/>
+          <p:cNvPr id="182" name="Google Shape;182;g297334d26ff_0_51:notes"/>
           <p:cNvSpPr/>
           <p:nvPr>
             <p:ph idx="2" type="sldImg"/>
@@ -2449,7 +3049,7 @@
       </p:sp>
       <p:sp>
         <p:nvSpPr>
-          <p:cNvPr id="181" name="Google Shape;181;g297334d26ff_0_59:notes"/>
+          <p:cNvPr id="183" name="Google Shape;183;g297334d26ff_0_51:notes"/>
           <p:cNvSpPr txBox="1"/>
           <p:nvPr>
             <p:ph idx="1" type="body"/>
@@ -10522,8 +11122,8 @@
         </p:nvSpPr>
         <p:spPr>
           <a:xfrm>
-            <a:off x="1858703" y="1822833"/>
-            <a:ext cx="5361300" cy="1448100"/>
+            <a:off x="1858700" y="1202050"/>
+            <a:ext cx="5361300" cy="1300200"/>
           </a:xfrm>
           <a:prstGeom prst="rect">
             <a:avLst/>
@@ -10596,8 +11196,8 @@
         </p:nvSpPr>
         <p:spPr>
           <a:xfrm>
-            <a:off x="1858700" y="3413158"/>
-            <a:ext cx="5361300" cy="522600"/>
+            <a:off x="1858700" y="2946950"/>
+            <a:ext cx="5361300" cy="935100"/>
           </a:xfrm>
           <a:prstGeom prst="rect">
             <a:avLst/>
@@ -10605,23 +11205,36 @@
         </p:spPr>
         <p:txBody>
           <a:bodyPr anchorCtr="0" anchor="t" bIns="91425" lIns="91425" spcFirstLastPara="1" rIns="91425" wrap="square" tIns="91425">
-            <a:normAutofit/>
+            <a:noAutofit/>
           </a:bodyPr>
           <a:lstStyle/>
           <a:p>
             <a:pPr indent="0" lvl="0" marL="0" rtl="0" algn="ctr">
-              <a:spcBef>
-                <a:spcPts val="0"/>
-              </a:spcBef>
-              <a:spcAft>
-                <a:spcPts val="0"/>
-              </a:spcAft>
+              <a:lnSpc>
+                <a:spcPct val="88000"/>
+              </a:lnSpc>
+              <a:spcBef>
+                <a:spcPts val="1200"/>
+              </a:spcBef>
+              <a:spcAft>
+                <a:spcPts val="800"/>
+              </a:spcAft>
+              <a:buSzPts val="523"/>
               <a:buNone/>
             </a:pPr>
             <a:r>
-              <a:t/>
+              <a:rPr lang="ru" sz="1665">
+                <a:solidFill>
+                  <a:srgbClr val="000000"/>
+                </a:solidFill>
+                <a:latin typeface="Times New Roman"/>
+                <a:ea typeface="Times New Roman"/>
+                <a:cs typeface="Times New Roman"/>
+                <a:sym typeface="Times New Roman"/>
+              </a:rPr>
+              <a:t>Цель: Разработать приложение для распознавания голоса в промышленности с помощью машинного обучения.</a:t>
             </a:r>
-            <a:endParaRPr/>
+            <a:endParaRPr sz="1760"/>
           </a:p>
         </p:txBody>
       </p:sp>
@@ -10650,7 +11263,7 @@
   <p:cSld>
     <p:spTree>
       <p:nvGrpSpPr>
-        <p:cNvPr id="189" name="Shape 189"/>
+        <p:cNvPr id="191" name="Shape 191"/>
         <p:cNvGrpSpPr/>
         <p:nvPr/>
       </p:nvGrpSpPr>
@@ -10664,7 +11277,205 @@
       </p:grpSpPr>
       <p:sp>
         <p:nvSpPr>
-          <p:cNvPr id="190" name="Google Shape;190;p22"/>
+          <p:cNvPr id="192" name="Google Shape;192;p22"/>
+          <p:cNvSpPr txBox="1"/>
+          <p:nvPr>
+            <p:ph type="title"/>
+          </p:nvPr>
+        </p:nvSpPr>
+        <p:spPr>
+          <a:xfrm>
+            <a:off x="819150" y="201175"/>
+            <a:ext cx="7675500" cy="523500"/>
+          </a:xfrm>
+          <a:prstGeom prst="rect">
+            <a:avLst/>
+          </a:prstGeom>
+        </p:spPr>
+        <p:txBody>
+          <a:bodyPr anchorCtr="0" anchor="t" bIns="91425" lIns="91425" spcFirstLastPara="1" rIns="91425" wrap="square" tIns="91425">
+            <a:normAutofit fontScale="90000"/>
+          </a:bodyPr>
+          <a:lstStyle/>
+          <a:p>
+            <a:pPr indent="0" lvl="0" marL="0" rtl="0" algn="ctr">
+              <a:lnSpc>
+                <a:spcPct val="135714"/>
+              </a:lnSpc>
+              <a:spcBef>
+                <a:spcPts val="0"/>
+              </a:spcBef>
+              <a:spcAft>
+                <a:spcPts val="0"/>
+              </a:spcAft>
+              <a:buNone/>
+            </a:pPr>
+            <a:r>
+              <a:rPr b="1" lang="ru" sz="2050">
+                <a:solidFill>
+                  <a:srgbClr val="008000"/>
+                </a:solidFill>
+                <a:highlight>
+                  <a:srgbClr val="F7F7F7"/>
+                </a:highlight>
+                <a:latin typeface="Courier New"/>
+                <a:ea typeface="Courier New"/>
+                <a:cs typeface="Courier New"/>
+                <a:sym typeface="Courier New"/>
+              </a:rPr>
+              <a:t>распределение средней частоты для 'meanfun'</a:t>
+            </a:r>
+            <a:endParaRPr b="1" sz="2050">
+              <a:solidFill>
+                <a:srgbClr val="008000"/>
+              </a:solidFill>
+              <a:highlight>
+                <a:srgbClr val="F7F7F7"/>
+              </a:highlight>
+              <a:latin typeface="Courier New"/>
+              <a:ea typeface="Courier New"/>
+              <a:cs typeface="Courier New"/>
+              <a:sym typeface="Courier New"/>
+            </a:endParaRPr>
+          </a:p>
+          <a:p>
+            <a:pPr indent="0" lvl="0" marL="0" rtl="0" algn="ctr">
+              <a:lnSpc>
+                <a:spcPct val="135714"/>
+              </a:lnSpc>
+              <a:spcBef>
+                <a:spcPts val="0"/>
+              </a:spcBef>
+              <a:spcAft>
+                <a:spcPts val="0"/>
+              </a:spcAft>
+              <a:buNone/>
+            </a:pPr>
+            <a:r>
+              <a:t/>
+            </a:r>
+            <a:endParaRPr b="1" sz="2050">
+              <a:solidFill>
+                <a:srgbClr val="008000"/>
+              </a:solidFill>
+              <a:highlight>
+                <a:srgbClr val="F7F7F7"/>
+              </a:highlight>
+              <a:latin typeface="Courier New"/>
+              <a:ea typeface="Courier New"/>
+              <a:cs typeface="Courier New"/>
+              <a:sym typeface="Courier New"/>
+            </a:endParaRPr>
+          </a:p>
+        </p:txBody>
+      </p:sp>
+      <p:sp>
+        <p:nvSpPr>
+          <p:cNvPr id="193" name="Google Shape;193;p22"/>
+          <p:cNvSpPr txBox="1"/>
+          <p:nvPr>
+            <p:ph idx="1" type="body"/>
+          </p:nvPr>
+        </p:nvSpPr>
+        <p:spPr>
+          <a:xfrm>
+            <a:off x="819150" y="1444750"/>
+            <a:ext cx="7505700" cy="2994000"/>
+          </a:xfrm>
+          <a:prstGeom prst="rect">
+            <a:avLst/>
+          </a:prstGeom>
+        </p:spPr>
+        <p:txBody>
+          <a:bodyPr anchorCtr="0" anchor="t" bIns="91425" lIns="91425" spcFirstLastPara="1" rIns="91425" wrap="square" tIns="91425">
+            <a:normAutofit/>
+          </a:bodyPr>
+          <a:lstStyle/>
+          <a:p>
+            <a:pPr indent="0" lvl="0" marL="0" rtl="0" algn="l">
+              <a:spcBef>
+                <a:spcPts val="0"/>
+              </a:spcBef>
+              <a:spcAft>
+                <a:spcPts val="1200"/>
+              </a:spcAft>
+              <a:buNone/>
+            </a:pPr>
+            <a:r>
+              <a:t/>
+            </a:r>
+            <a:endParaRPr/>
+          </a:p>
+        </p:txBody>
+      </p:sp>
+      <p:pic>
+        <p:nvPicPr>
+          <p:cNvPr id="194" name="Google Shape;194;p22"/>
+          <p:cNvPicPr preferRelativeResize="0"/>
+          <p:nvPr/>
+        </p:nvPicPr>
+        <p:blipFill>
+          <a:blip r:embed="rId3">
+            <a:alphaModFix/>
+          </a:blip>
+          <a:stretch>
+            <a:fillRect/>
+          </a:stretch>
+        </p:blipFill>
+        <p:spPr>
+          <a:xfrm>
+            <a:off x="196600" y="724675"/>
+            <a:ext cx="8709650" cy="4217650"/>
+          </a:xfrm>
+          <a:prstGeom prst="rect">
+            <a:avLst/>
+          </a:prstGeom>
+          <a:noFill/>
+          <a:ln>
+            <a:noFill/>
+          </a:ln>
+        </p:spPr>
+      </p:pic>
+    </p:spTree>
+  </p:cSld>
+  <p:clrMapOvr>
+    <a:masterClrMapping/>
+  </p:clrMapOvr>
+  <mc:AlternateContent>
+    <mc:Choice Requires="p14">
+      <p:transition spd="med">
+        <p14:flip dir="l"/>
+      </p:transition>
+    </mc:Choice>
+    <mc:Fallback>
+      <p:transition spd="med">
+        <p:fade/>
+      </p:transition>
+    </mc:Fallback>
+  </mc:AlternateContent>
+</p:sld>
+</file>
+
+<file path=ppt/slides/slide11.xml><?xml version="1.0" encoding="utf-8"?>
+<p:sld xmlns:a="http://schemas.openxmlformats.org/drawingml/2006/main" xmlns:r="http://schemas.openxmlformats.org/officeDocument/2006/relationships" xmlns:mc="http://schemas.openxmlformats.org/markup-compatibility/2006" xmlns:mv="urn:schemas-microsoft-com:mac:vml" xmlns:p="http://schemas.openxmlformats.org/presentationml/2006/main" xmlns:c="http://schemas.openxmlformats.org/drawingml/2006/chart" xmlns:dgm="http://schemas.openxmlformats.org/drawingml/2006/diagram" xmlns:o="urn:schemas-microsoft-com:office:office" xmlns:v="urn:schemas-microsoft-com:vml" xmlns:pvml="urn:schemas-microsoft-com:office:powerpoint" xmlns:com="http://schemas.openxmlformats.org/drawingml/2006/compatibility" xmlns:p14="http://schemas.microsoft.com/office/powerpoint/2010/main" xmlns:p15="http://schemas.microsoft.com/office/powerpoint/2012/main" xmlns:ahyp="http://schemas.microsoft.com/office/drawing/2018/hyperlinkcolor">
+  <p:cSld>
+    <p:spTree>
+      <p:nvGrpSpPr>
+        <p:cNvPr id="198" name="Shape 198"/>
+        <p:cNvGrpSpPr/>
+        <p:nvPr/>
+      </p:nvGrpSpPr>
+      <p:grpSpPr>
+        <a:xfrm>
+          <a:off x="0" y="0"/>
+          <a:ext cx="0" cy="0"/>
+          <a:chOff x="0" y="0"/>
+          <a:chExt cx="0" cy="0"/>
+        </a:xfrm>
+      </p:grpSpPr>
+      <p:sp>
+        <p:nvSpPr>
+          <p:cNvPr id="199" name="Google Shape;199;p23"/>
           <p:cNvSpPr txBox="1"/>
           <p:nvPr>
             <p:ph type="title"/>
@@ -10758,7 +11569,7 @@
       </p:sp>
       <p:sp>
         <p:nvSpPr>
-          <p:cNvPr id="191" name="Google Shape;191;p22"/>
+          <p:cNvPr id="200" name="Google Shape;200;p23"/>
           <p:cNvSpPr txBox="1"/>
           <p:nvPr>
             <p:ph idx="1" type="body"/>
@@ -10797,7 +11608,7 @@
       </p:sp>
       <p:pic>
         <p:nvPicPr>
-          <p:cNvPr id="192" name="Google Shape;192;p22"/>
+          <p:cNvPr id="201" name="Google Shape;201;p23"/>
           <p:cNvPicPr preferRelativeResize="0"/>
           <p:nvPr/>
         </p:nvPicPr>
@@ -10843,12 +11654,12 @@
 </p:sld>
 </file>
 
-<file path=ppt/slides/slide11.xml><?xml version="1.0" encoding="utf-8"?>
+<file path=ppt/slides/slide12.xml><?xml version="1.0" encoding="utf-8"?>
 <p:sld xmlns:a="http://schemas.openxmlformats.org/drawingml/2006/main" xmlns:r="http://schemas.openxmlformats.org/officeDocument/2006/relationships" xmlns:mc="http://schemas.openxmlformats.org/markup-compatibility/2006" xmlns:mv="urn:schemas-microsoft-com:mac:vml" xmlns:p="http://schemas.openxmlformats.org/presentationml/2006/main" xmlns:c="http://schemas.openxmlformats.org/drawingml/2006/chart" xmlns:dgm="http://schemas.openxmlformats.org/drawingml/2006/diagram" xmlns:o="urn:schemas-microsoft-com:office:office" xmlns:v="urn:schemas-microsoft-com:vml" xmlns:pvml="urn:schemas-microsoft-com:office:powerpoint" xmlns:com="http://schemas.openxmlformats.org/drawingml/2006/compatibility" xmlns:p14="http://schemas.microsoft.com/office/powerpoint/2010/main" xmlns:p15="http://schemas.microsoft.com/office/powerpoint/2012/main" xmlns:ahyp="http://schemas.microsoft.com/office/drawing/2018/hyperlinkcolor">
   <p:cSld>
     <p:spTree>
       <p:nvGrpSpPr>
-        <p:cNvPr id="196" name="Shape 196"/>
+        <p:cNvPr id="205" name="Shape 205"/>
         <p:cNvGrpSpPr/>
         <p:nvPr/>
       </p:nvGrpSpPr>
@@ -10862,7 +11673,7 @@
       </p:grpSpPr>
       <p:sp>
         <p:nvSpPr>
-          <p:cNvPr id="197" name="Google Shape;197;p23"/>
+          <p:cNvPr id="206" name="Google Shape;206;p24"/>
           <p:cNvSpPr txBox="1"/>
           <p:nvPr>
             <p:ph type="title"/>
@@ -10957,7 +11768,7 @@
       </p:sp>
       <p:sp>
         <p:nvSpPr>
-          <p:cNvPr id="198" name="Google Shape;198;p23"/>
+          <p:cNvPr id="207" name="Google Shape;207;p24"/>
           <p:cNvSpPr txBox="1"/>
           <p:nvPr>
             <p:ph idx="1" type="body"/>
@@ -10996,7 +11807,7 @@
       </p:sp>
       <p:pic>
         <p:nvPicPr>
-          <p:cNvPr id="199" name="Google Shape;199;p23"/>
+          <p:cNvPr id="208" name="Google Shape;208;p24"/>
           <p:cNvPicPr preferRelativeResize="0"/>
           <p:nvPr/>
         </p:nvPicPr>
@@ -11012,192 +11823,6 @@
           <a:xfrm>
             <a:off x="211450" y="665225"/>
             <a:ext cx="8721102" cy="4277102"/>
-          </a:xfrm>
-          <a:prstGeom prst="rect">
-            <a:avLst/>
-          </a:prstGeom>
-          <a:noFill/>
-          <a:ln>
-            <a:noFill/>
-          </a:ln>
-        </p:spPr>
-      </p:pic>
-    </p:spTree>
-  </p:cSld>
-  <p:clrMapOvr>
-    <a:masterClrMapping/>
-  </p:clrMapOvr>
-  <mc:AlternateContent>
-    <mc:Choice Requires="p14">
-      <p:transition spd="med">
-        <p14:flip dir="l"/>
-      </p:transition>
-    </mc:Choice>
-    <mc:Fallback>
-      <p:transition spd="med">
-        <p:fade/>
-      </p:transition>
-    </mc:Fallback>
-  </mc:AlternateContent>
-</p:sld>
-</file>
-
-<file path=ppt/slides/slide12.xml><?xml version="1.0" encoding="utf-8"?>
-<p:sld xmlns:a="http://schemas.openxmlformats.org/drawingml/2006/main" xmlns:r="http://schemas.openxmlformats.org/officeDocument/2006/relationships" xmlns:mc="http://schemas.openxmlformats.org/markup-compatibility/2006" xmlns:mv="urn:schemas-microsoft-com:mac:vml" xmlns:p="http://schemas.openxmlformats.org/presentationml/2006/main" xmlns:c="http://schemas.openxmlformats.org/drawingml/2006/chart" xmlns:dgm="http://schemas.openxmlformats.org/drawingml/2006/diagram" xmlns:o="urn:schemas-microsoft-com:office:office" xmlns:v="urn:schemas-microsoft-com:vml" xmlns:pvml="urn:schemas-microsoft-com:office:powerpoint" xmlns:com="http://schemas.openxmlformats.org/drawingml/2006/compatibility" xmlns:p14="http://schemas.microsoft.com/office/powerpoint/2010/main" xmlns:p15="http://schemas.microsoft.com/office/powerpoint/2012/main" xmlns:ahyp="http://schemas.microsoft.com/office/drawing/2018/hyperlinkcolor">
-  <p:cSld>
-    <p:spTree>
-      <p:nvGrpSpPr>
-        <p:cNvPr id="203" name="Shape 203"/>
-        <p:cNvGrpSpPr/>
-        <p:nvPr/>
-      </p:nvGrpSpPr>
-      <p:grpSpPr>
-        <a:xfrm>
-          <a:off x="0" y="0"/>
-          <a:ext cx="0" cy="0"/>
-          <a:chOff x="0" y="0"/>
-          <a:chExt cx="0" cy="0"/>
-        </a:xfrm>
-      </p:grpSpPr>
-      <p:sp>
-        <p:nvSpPr>
-          <p:cNvPr id="204" name="Google Shape;204;p24"/>
-          <p:cNvSpPr txBox="1"/>
-          <p:nvPr>
-            <p:ph type="title"/>
-          </p:nvPr>
-        </p:nvSpPr>
-        <p:spPr>
-          <a:xfrm>
-            <a:off x="819150" y="201175"/>
-            <a:ext cx="7675500" cy="592200"/>
-          </a:xfrm>
-          <a:prstGeom prst="rect">
-            <a:avLst/>
-          </a:prstGeom>
-        </p:spPr>
-        <p:txBody>
-          <a:bodyPr anchorCtr="0" anchor="t" bIns="91425" lIns="91425" spcFirstLastPara="1" rIns="91425" wrap="square" tIns="91425">
-            <a:normAutofit fontScale="90000"/>
-          </a:bodyPr>
-          <a:lstStyle/>
-          <a:p>
-            <a:pPr indent="0" lvl="0" marL="0" rtl="0" algn="ctr">
-              <a:lnSpc>
-                <a:spcPct val="135714"/>
-              </a:lnSpc>
-              <a:spcBef>
-                <a:spcPts val="0"/>
-              </a:spcBef>
-              <a:spcAft>
-                <a:spcPts val="0"/>
-              </a:spcAft>
-              <a:buNone/>
-            </a:pPr>
-            <a:r>
-              <a:t/>
-            </a:r>
-            <a:endParaRPr b="1" sz="2050">
-              <a:solidFill>
-                <a:srgbClr val="008000"/>
-              </a:solidFill>
-              <a:highlight>
-                <a:srgbClr val="F7F7F7"/>
-              </a:highlight>
-              <a:latin typeface="Courier New"/>
-              <a:ea typeface="Courier New"/>
-              <a:cs typeface="Courier New"/>
-              <a:sym typeface="Courier New"/>
-            </a:endParaRPr>
-          </a:p>
-          <a:p>
-            <a:pPr indent="0" lvl="0" marL="0" rtl="0" algn="ctr">
-              <a:lnSpc>
-                <a:spcPct val="135714"/>
-              </a:lnSpc>
-              <a:spcBef>
-                <a:spcPts val="0"/>
-              </a:spcBef>
-              <a:spcAft>
-                <a:spcPts val="0"/>
-              </a:spcAft>
-              <a:buNone/>
-            </a:pPr>
-            <a:r>
-              <a:t/>
-            </a:r>
-            <a:endParaRPr b="1" sz="2050">
-              <a:solidFill>
-                <a:srgbClr val="008000"/>
-              </a:solidFill>
-              <a:highlight>
-                <a:srgbClr val="F7F7F7"/>
-              </a:highlight>
-              <a:latin typeface="Courier New"/>
-              <a:ea typeface="Courier New"/>
-              <a:cs typeface="Courier New"/>
-              <a:sym typeface="Courier New"/>
-            </a:endParaRPr>
-          </a:p>
-        </p:txBody>
-      </p:sp>
-      <p:sp>
-        <p:nvSpPr>
-          <p:cNvPr id="205" name="Google Shape;205;p24"/>
-          <p:cNvSpPr txBox="1"/>
-          <p:nvPr>
-            <p:ph idx="1" type="body"/>
-          </p:nvPr>
-        </p:nvSpPr>
-        <p:spPr>
-          <a:xfrm>
-            <a:off x="819150" y="1444750"/>
-            <a:ext cx="7505700" cy="2994000"/>
-          </a:xfrm>
-          <a:prstGeom prst="rect">
-            <a:avLst/>
-          </a:prstGeom>
-        </p:spPr>
-        <p:txBody>
-          <a:bodyPr anchorCtr="0" anchor="t" bIns="91425" lIns="91425" spcFirstLastPara="1" rIns="91425" wrap="square" tIns="91425">
-            <a:normAutofit/>
-          </a:bodyPr>
-          <a:lstStyle/>
-          <a:p>
-            <a:pPr indent="0" lvl="0" marL="0" rtl="0" algn="l">
-              <a:spcBef>
-                <a:spcPts val="0"/>
-              </a:spcBef>
-              <a:spcAft>
-                <a:spcPts val="1200"/>
-              </a:spcAft>
-              <a:buNone/>
-            </a:pPr>
-            <a:r>
-              <a:t/>
-            </a:r>
-            <a:endParaRPr/>
-          </a:p>
-        </p:txBody>
-      </p:sp>
-      <p:pic>
-        <p:nvPicPr>
-          <p:cNvPr id="206" name="Google Shape;206;p24"/>
-          <p:cNvPicPr preferRelativeResize="0"/>
-          <p:nvPr/>
-        </p:nvPicPr>
-        <p:blipFill>
-          <a:blip r:embed="rId3">
-            <a:alphaModFix/>
-          </a:blip>
-          <a:stretch>
-            <a:fillRect/>
-          </a:stretch>
-        </p:blipFill>
-        <p:spPr>
-          <a:xfrm>
-            <a:off x="208025" y="201175"/>
-            <a:ext cx="8721100" cy="4764025"/>
           </a:xfrm>
           <a:prstGeom prst="rect">
             <a:avLst/>
@@ -11233,7 +11858,7 @@
   <p:cSld>
     <p:spTree>
       <p:nvGrpSpPr>
-        <p:cNvPr id="210" name="Shape 210"/>
+        <p:cNvPr id="212" name="Shape 212"/>
         <p:cNvGrpSpPr/>
         <p:nvPr/>
       </p:nvGrpSpPr>
@@ -11247,7 +11872,787 @@
       </p:grpSpPr>
       <p:sp>
         <p:nvSpPr>
-          <p:cNvPr id="211" name="Google Shape;211;p25"/>
+          <p:cNvPr id="213" name="Google Shape;213;p25"/>
+          <p:cNvSpPr txBox="1"/>
+          <p:nvPr>
+            <p:ph type="title"/>
+          </p:nvPr>
+        </p:nvSpPr>
+        <p:spPr>
+          <a:xfrm>
+            <a:off x="819150" y="201175"/>
+            <a:ext cx="7675500" cy="909600"/>
+          </a:xfrm>
+          <a:prstGeom prst="rect">
+            <a:avLst/>
+          </a:prstGeom>
+        </p:spPr>
+        <p:txBody>
+          <a:bodyPr anchorCtr="0" anchor="t" bIns="91425" lIns="91425" spcFirstLastPara="1" rIns="91425" wrap="square" tIns="91425">
+            <a:noAutofit/>
+          </a:bodyPr>
+          <a:lstStyle/>
+          <a:p>
+            <a:pPr indent="0" lvl="0" marL="0" rtl="0" algn="ctr">
+              <a:lnSpc>
+                <a:spcPct val="135714"/>
+              </a:lnSpc>
+              <a:spcBef>
+                <a:spcPts val="0"/>
+              </a:spcBef>
+              <a:spcAft>
+                <a:spcPts val="0"/>
+              </a:spcAft>
+              <a:buNone/>
+            </a:pPr>
+            <a:r>
+              <a:rPr b="1" lang="ru" sz="1800">
+                <a:solidFill>
+                  <a:srgbClr val="008000"/>
+                </a:solidFill>
+                <a:highlight>
+                  <a:srgbClr val="F7F7F7"/>
+                </a:highlight>
+                <a:latin typeface="Courier New"/>
+                <a:ea typeface="Courier New"/>
+                <a:cs typeface="Courier New"/>
+                <a:sym typeface="Courier New"/>
+              </a:rPr>
+              <a:t> </a:t>
+            </a:r>
+            <a:r>
+              <a:rPr b="1" lang="ru" sz="1800">
+                <a:solidFill>
+                  <a:srgbClr val="008000"/>
+                </a:solidFill>
+                <a:highlight>
+                  <a:srgbClr val="F7F7F7"/>
+                </a:highlight>
+                <a:latin typeface="Courier New"/>
+                <a:ea typeface="Courier New"/>
+                <a:cs typeface="Courier New"/>
+                <a:sym typeface="Courier New"/>
+              </a:rPr>
+              <a:t>разделение данных датасета с использование </a:t>
+            </a:r>
+            <a:r>
+              <a:rPr b="1" lang="ru" sz="1800">
+                <a:solidFill>
+                  <a:srgbClr val="008000"/>
+                </a:solidFill>
+                <a:highlight>
+                  <a:srgbClr val="F7F7F7"/>
+                </a:highlight>
+                <a:latin typeface="Courier New"/>
+                <a:ea typeface="Courier New"/>
+                <a:cs typeface="Courier New"/>
+                <a:sym typeface="Courier New"/>
+              </a:rPr>
+              <a:t>Repeated Stratified K-Fold</a:t>
+            </a:r>
+            <a:endParaRPr b="1" sz="1800">
+              <a:solidFill>
+                <a:srgbClr val="008000"/>
+              </a:solidFill>
+              <a:highlight>
+                <a:srgbClr val="F7F7F7"/>
+              </a:highlight>
+              <a:latin typeface="Courier New"/>
+              <a:ea typeface="Courier New"/>
+              <a:cs typeface="Courier New"/>
+              <a:sym typeface="Courier New"/>
+            </a:endParaRPr>
+          </a:p>
+          <a:p>
+            <a:pPr indent="0" lvl="0" marL="0" rtl="0" algn="l">
+              <a:lnSpc>
+                <a:spcPct val="135714"/>
+              </a:lnSpc>
+              <a:spcBef>
+                <a:spcPts val="0"/>
+              </a:spcBef>
+              <a:spcAft>
+                <a:spcPts val="0"/>
+              </a:spcAft>
+              <a:buNone/>
+            </a:pPr>
+            <a:r>
+              <a:t/>
+            </a:r>
+            <a:endParaRPr b="1" sz="2050">
+              <a:solidFill>
+                <a:srgbClr val="008000"/>
+              </a:solidFill>
+              <a:highlight>
+                <a:srgbClr val="F7F7F7"/>
+              </a:highlight>
+              <a:latin typeface="Courier New"/>
+              <a:ea typeface="Courier New"/>
+              <a:cs typeface="Courier New"/>
+              <a:sym typeface="Courier New"/>
+            </a:endParaRPr>
+          </a:p>
+        </p:txBody>
+      </p:sp>
+      <p:sp>
+        <p:nvSpPr>
+          <p:cNvPr id="214" name="Google Shape;214;p25"/>
+          <p:cNvSpPr txBox="1"/>
+          <p:nvPr>
+            <p:ph idx="1" type="body"/>
+          </p:nvPr>
+        </p:nvSpPr>
+        <p:spPr>
+          <a:xfrm>
+            <a:off x="819150" y="1444750"/>
+            <a:ext cx="7505700" cy="2994000"/>
+          </a:xfrm>
+          <a:prstGeom prst="rect">
+            <a:avLst/>
+          </a:prstGeom>
+        </p:spPr>
+        <p:txBody>
+          <a:bodyPr anchorCtr="0" anchor="t" bIns="91425" lIns="91425" spcFirstLastPara="1" rIns="91425" wrap="square" tIns="91425">
+            <a:normAutofit/>
+          </a:bodyPr>
+          <a:lstStyle/>
+          <a:p>
+            <a:pPr indent="0" lvl="0" marL="0" rtl="0" algn="l">
+              <a:spcBef>
+                <a:spcPts val="0"/>
+              </a:spcBef>
+              <a:spcAft>
+                <a:spcPts val="1200"/>
+              </a:spcAft>
+              <a:buNone/>
+            </a:pPr>
+            <a:r>
+              <a:t/>
+            </a:r>
+            <a:endParaRPr/>
+          </a:p>
+        </p:txBody>
+      </p:sp>
+      <p:pic>
+        <p:nvPicPr>
+          <p:cNvPr id="215" name="Google Shape;215;p25"/>
+          <p:cNvPicPr preferRelativeResize="0"/>
+          <p:nvPr/>
+        </p:nvPicPr>
+        <p:blipFill>
+          <a:blip r:embed="rId3">
+            <a:alphaModFix/>
+          </a:blip>
+          <a:stretch>
+            <a:fillRect/>
+          </a:stretch>
+        </p:blipFill>
+        <p:spPr>
+          <a:xfrm>
+            <a:off x="819150" y="1447800"/>
+            <a:ext cx="7505699" cy="2994000"/>
+          </a:xfrm>
+          <a:prstGeom prst="rect">
+            <a:avLst/>
+          </a:prstGeom>
+          <a:noFill/>
+          <a:ln>
+            <a:noFill/>
+          </a:ln>
+        </p:spPr>
+      </p:pic>
+    </p:spTree>
+  </p:cSld>
+  <p:clrMapOvr>
+    <a:masterClrMapping/>
+  </p:clrMapOvr>
+  <mc:AlternateContent>
+    <mc:Choice Requires="p14">
+      <p:transition spd="med">
+        <p14:flip dir="l"/>
+      </p:transition>
+    </mc:Choice>
+    <mc:Fallback>
+      <p:transition spd="med">
+        <p:fade/>
+      </p:transition>
+    </mc:Fallback>
+  </mc:AlternateContent>
+</p:sld>
+</file>
+
+<file path=ppt/slides/slide14.xml><?xml version="1.0" encoding="utf-8"?>
+<p:sld xmlns:a="http://schemas.openxmlformats.org/drawingml/2006/main" xmlns:r="http://schemas.openxmlformats.org/officeDocument/2006/relationships" xmlns:mc="http://schemas.openxmlformats.org/markup-compatibility/2006" xmlns:mv="urn:schemas-microsoft-com:mac:vml" xmlns:p="http://schemas.openxmlformats.org/presentationml/2006/main" xmlns:c="http://schemas.openxmlformats.org/drawingml/2006/chart" xmlns:dgm="http://schemas.openxmlformats.org/drawingml/2006/diagram" xmlns:o="urn:schemas-microsoft-com:office:office" xmlns:v="urn:schemas-microsoft-com:vml" xmlns:pvml="urn:schemas-microsoft-com:office:powerpoint" xmlns:com="http://schemas.openxmlformats.org/drawingml/2006/compatibility" xmlns:p14="http://schemas.microsoft.com/office/powerpoint/2010/main" xmlns:p15="http://schemas.microsoft.com/office/powerpoint/2012/main" xmlns:ahyp="http://schemas.microsoft.com/office/drawing/2018/hyperlinkcolor">
+  <p:cSld>
+    <p:spTree>
+      <p:nvGrpSpPr>
+        <p:cNvPr id="219" name="Shape 219"/>
+        <p:cNvGrpSpPr/>
+        <p:nvPr/>
+      </p:nvGrpSpPr>
+      <p:grpSpPr>
+        <a:xfrm>
+          <a:off x="0" y="0"/>
+          <a:ext cx="0" cy="0"/>
+          <a:chOff x="0" y="0"/>
+          <a:chExt cx="0" cy="0"/>
+        </a:xfrm>
+      </p:grpSpPr>
+      <p:sp>
+        <p:nvSpPr>
+          <p:cNvPr id="220" name="Google Shape;220;p26"/>
+          <p:cNvSpPr txBox="1"/>
+          <p:nvPr>
+            <p:ph type="title"/>
+          </p:nvPr>
+        </p:nvSpPr>
+        <p:spPr>
+          <a:xfrm>
+            <a:off x="819150" y="201175"/>
+            <a:ext cx="7675500" cy="592200"/>
+          </a:xfrm>
+          <a:prstGeom prst="rect">
+            <a:avLst/>
+          </a:prstGeom>
+        </p:spPr>
+        <p:txBody>
+          <a:bodyPr anchorCtr="0" anchor="t" bIns="91425" lIns="91425" spcFirstLastPara="1" rIns="91425" wrap="square" tIns="91425">
+            <a:normAutofit/>
+          </a:bodyPr>
+          <a:lstStyle/>
+          <a:p>
+            <a:pPr indent="0" lvl="0" marL="0" rtl="0" algn="ctr">
+              <a:lnSpc>
+                <a:spcPct val="135714"/>
+              </a:lnSpc>
+              <a:spcBef>
+                <a:spcPts val="0"/>
+              </a:spcBef>
+              <a:spcAft>
+                <a:spcPts val="0"/>
+              </a:spcAft>
+              <a:buNone/>
+            </a:pPr>
+            <a:r>
+              <a:rPr b="1" lang="ru" sz="2050">
+                <a:solidFill>
+                  <a:srgbClr val="008000"/>
+                </a:solidFill>
+                <a:highlight>
+                  <a:srgbClr val="F7F7F7"/>
+                </a:highlight>
+                <a:latin typeface="Courier New"/>
+                <a:ea typeface="Courier New"/>
+                <a:cs typeface="Courier New"/>
+                <a:sym typeface="Courier New"/>
+              </a:rPr>
+              <a:t>модель логистической регрессии</a:t>
+            </a:r>
+            <a:endParaRPr b="1" sz="2050">
+              <a:solidFill>
+                <a:srgbClr val="008000"/>
+              </a:solidFill>
+              <a:highlight>
+                <a:srgbClr val="F7F7F7"/>
+              </a:highlight>
+              <a:latin typeface="Courier New"/>
+              <a:ea typeface="Courier New"/>
+              <a:cs typeface="Courier New"/>
+              <a:sym typeface="Courier New"/>
+            </a:endParaRPr>
+          </a:p>
+        </p:txBody>
+      </p:sp>
+      <p:sp>
+        <p:nvSpPr>
+          <p:cNvPr id="221" name="Google Shape;221;p26"/>
+          <p:cNvSpPr txBox="1"/>
+          <p:nvPr>
+            <p:ph idx="1" type="body"/>
+          </p:nvPr>
+        </p:nvSpPr>
+        <p:spPr>
+          <a:xfrm>
+            <a:off x="819150" y="1444750"/>
+            <a:ext cx="7505700" cy="2994000"/>
+          </a:xfrm>
+          <a:prstGeom prst="rect">
+            <a:avLst/>
+          </a:prstGeom>
+        </p:spPr>
+        <p:txBody>
+          <a:bodyPr anchorCtr="0" anchor="t" bIns="91425" lIns="91425" spcFirstLastPara="1" rIns="91425" wrap="square" tIns="91425">
+            <a:normAutofit/>
+          </a:bodyPr>
+          <a:lstStyle/>
+          <a:p>
+            <a:pPr indent="0" lvl="0" marL="0" rtl="0" algn="l">
+              <a:spcBef>
+                <a:spcPts val="0"/>
+              </a:spcBef>
+              <a:spcAft>
+                <a:spcPts val="1200"/>
+              </a:spcAft>
+              <a:buNone/>
+            </a:pPr>
+            <a:r>
+              <a:t/>
+            </a:r>
+            <a:endParaRPr/>
+          </a:p>
+        </p:txBody>
+      </p:sp>
+      <p:pic>
+        <p:nvPicPr>
+          <p:cNvPr id="222" name="Google Shape;222;p26"/>
+          <p:cNvPicPr preferRelativeResize="0"/>
+          <p:nvPr/>
+        </p:nvPicPr>
+        <p:blipFill>
+          <a:blip r:embed="rId3">
+            <a:alphaModFix/>
+          </a:blip>
+          <a:stretch>
+            <a:fillRect/>
+          </a:stretch>
+        </p:blipFill>
+        <p:spPr>
+          <a:xfrm>
+            <a:off x="937475" y="793375"/>
+            <a:ext cx="7387374" cy="4138000"/>
+          </a:xfrm>
+          <a:prstGeom prst="rect">
+            <a:avLst/>
+          </a:prstGeom>
+          <a:noFill/>
+          <a:ln>
+            <a:noFill/>
+          </a:ln>
+        </p:spPr>
+      </p:pic>
+    </p:spTree>
+  </p:cSld>
+  <p:clrMapOvr>
+    <a:masterClrMapping/>
+  </p:clrMapOvr>
+  <mc:AlternateContent>
+    <mc:Choice Requires="p14">
+      <p:transition spd="med">
+        <p14:flip dir="l"/>
+      </p:transition>
+    </mc:Choice>
+    <mc:Fallback>
+      <p:transition spd="med">
+        <p:fade/>
+      </p:transition>
+    </mc:Fallback>
+  </mc:AlternateContent>
+</p:sld>
+</file>
+
+<file path=ppt/slides/slide15.xml><?xml version="1.0" encoding="utf-8"?>
+<p:sld xmlns:a="http://schemas.openxmlformats.org/drawingml/2006/main" xmlns:r="http://schemas.openxmlformats.org/officeDocument/2006/relationships" xmlns:mc="http://schemas.openxmlformats.org/markup-compatibility/2006" xmlns:mv="urn:schemas-microsoft-com:mac:vml" xmlns:p="http://schemas.openxmlformats.org/presentationml/2006/main" xmlns:c="http://schemas.openxmlformats.org/drawingml/2006/chart" xmlns:dgm="http://schemas.openxmlformats.org/drawingml/2006/diagram" xmlns:o="urn:schemas-microsoft-com:office:office" xmlns:v="urn:schemas-microsoft-com:vml" xmlns:pvml="urn:schemas-microsoft-com:office:powerpoint" xmlns:com="http://schemas.openxmlformats.org/drawingml/2006/compatibility" xmlns:p14="http://schemas.microsoft.com/office/powerpoint/2010/main" xmlns:p15="http://schemas.microsoft.com/office/powerpoint/2012/main" xmlns:ahyp="http://schemas.microsoft.com/office/drawing/2018/hyperlinkcolor">
+  <p:cSld>
+    <p:spTree>
+      <p:nvGrpSpPr>
+        <p:cNvPr id="226" name="Shape 226"/>
+        <p:cNvGrpSpPr/>
+        <p:nvPr/>
+      </p:nvGrpSpPr>
+      <p:grpSpPr>
+        <a:xfrm>
+          <a:off x="0" y="0"/>
+          <a:ext cx="0" cy="0"/>
+          <a:chOff x="0" y="0"/>
+          <a:chExt cx="0" cy="0"/>
+        </a:xfrm>
+      </p:grpSpPr>
+      <p:sp>
+        <p:nvSpPr>
+          <p:cNvPr id="227" name="Google Shape;227;p27"/>
+          <p:cNvSpPr txBox="1"/>
+          <p:nvPr>
+            <p:ph type="title"/>
+          </p:nvPr>
+        </p:nvSpPr>
+        <p:spPr>
+          <a:xfrm>
+            <a:off x="819150" y="201175"/>
+            <a:ext cx="7675500" cy="592200"/>
+          </a:xfrm>
+          <a:prstGeom prst="rect">
+            <a:avLst/>
+          </a:prstGeom>
+        </p:spPr>
+        <p:txBody>
+          <a:bodyPr anchorCtr="0" anchor="t" bIns="91425" lIns="91425" spcFirstLastPara="1" rIns="91425" wrap="square" tIns="91425">
+            <a:normAutofit fontScale="90000"/>
+          </a:bodyPr>
+          <a:lstStyle/>
+          <a:p>
+            <a:pPr indent="0" lvl="0" marL="0" rtl="0" algn="ctr">
+              <a:lnSpc>
+                <a:spcPct val="135714"/>
+              </a:lnSpc>
+              <a:spcBef>
+                <a:spcPts val="0"/>
+              </a:spcBef>
+              <a:spcAft>
+                <a:spcPts val="0"/>
+              </a:spcAft>
+              <a:buNone/>
+            </a:pPr>
+            <a:r>
+              <a:t/>
+            </a:r>
+            <a:endParaRPr b="1" sz="2050">
+              <a:solidFill>
+                <a:srgbClr val="008000"/>
+              </a:solidFill>
+              <a:highlight>
+                <a:srgbClr val="F7F7F7"/>
+              </a:highlight>
+              <a:latin typeface="Courier New"/>
+              <a:ea typeface="Courier New"/>
+              <a:cs typeface="Courier New"/>
+              <a:sym typeface="Courier New"/>
+            </a:endParaRPr>
+          </a:p>
+          <a:p>
+            <a:pPr indent="0" lvl="0" marL="0" rtl="0" algn="ctr">
+              <a:lnSpc>
+                <a:spcPct val="135714"/>
+              </a:lnSpc>
+              <a:spcBef>
+                <a:spcPts val="0"/>
+              </a:spcBef>
+              <a:spcAft>
+                <a:spcPts val="0"/>
+              </a:spcAft>
+              <a:buNone/>
+            </a:pPr>
+            <a:r>
+              <a:t/>
+            </a:r>
+            <a:endParaRPr b="1" sz="2050">
+              <a:solidFill>
+                <a:srgbClr val="008000"/>
+              </a:solidFill>
+              <a:highlight>
+                <a:srgbClr val="F7F7F7"/>
+              </a:highlight>
+              <a:latin typeface="Courier New"/>
+              <a:ea typeface="Courier New"/>
+              <a:cs typeface="Courier New"/>
+              <a:sym typeface="Courier New"/>
+            </a:endParaRPr>
+          </a:p>
+        </p:txBody>
+      </p:sp>
+      <p:sp>
+        <p:nvSpPr>
+          <p:cNvPr id="228" name="Google Shape;228;p27"/>
+          <p:cNvSpPr txBox="1"/>
+          <p:nvPr>
+            <p:ph idx="1" type="body"/>
+          </p:nvPr>
+        </p:nvSpPr>
+        <p:spPr>
+          <a:xfrm>
+            <a:off x="819150" y="1444750"/>
+            <a:ext cx="7505700" cy="2994000"/>
+          </a:xfrm>
+          <a:prstGeom prst="rect">
+            <a:avLst/>
+          </a:prstGeom>
+        </p:spPr>
+        <p:txBody>
+          <a:bodyPr anchorCtr="0" anchor="t" bIns="91425" lIns="91425" spcFirstLastPara="1" rIns="91425" wrap="square" tIns="91425">
+            <a:normAutofit/>
+          </a:bodyPr>
+          <a:lstStyle/>
+          <a:p>
+            <a:pPr indent="0" lvl="0" marL="0" rtl="0" algn="l">
+              <a:spcBef>
+                <a:spcPts val="0"/>
+              </a:spcBef>
+              <a:spcAft>
+                <a:spcPts val="1200"/>
+              </a:spcAft>
+              <a:buNone/>
+            </a:pPr>
+            <a:r>
+              <a:t/>
+            </a:r>
+            <a:endParaRPr/>
+          </a:p>
+        </p:txBody>
+      </p:sp>
+      <p:pic>
+        <p:nvPicPr>
+          <p:cNvPr id="229" name="Google Shape;229;p27"/>
+          <p:cNvPicPr preferRelativeResize="0"/>
+          <p:nvPr/>
+        </p:nvPicPr>
+        <p:blipFill>
+          <a:blip r:embed="rId3">
+            <a:alphaModFix/>
+          </a:blip>
+          <a:stretch>
+            <a:fillRect/>
+          </a:stretch>
+        </p:blipFill>
+        <p:spPr>
+          <a:xfrm>
+            <a:off x="208025" y="201175"/>
+            <a:ext cx="8721100" cy="4764025"/>
+          </a:xfrm>
+          <a:prstGeom prst="rect">
+            <a:avLst/>
+          </a:prstGeom>
+          <a:noFill/>
+          <a:ln>
+            <a:noFill/>
+          </a:ln>
+        </p:spPr>
+      </p:pic>
+    </p:spTree>
+  </p:cSld>
+  <p:clrMapOvr>
+    <a:masterClrMapping/>
+  </p:clrMapOvr>
+  <mc:AlternateContent>
+    <mc:Choice Requires="p14">
+      <p:transition spd="med">
+        <p14:flip dir="l"/>
+      </p:transition>
+    </mc:Choice>
+    <mc:Fallback>
+      <p:transition spd="med">
+        <p:fade/>
+      </p:transition>
+    </mc:Fallback>
+  </mc:AlternateContent>
+</p:sld>
+</file>
+
+<file path=ppt/slides/slide16.xml><?xml version="1.0" encoding="utf-8"?>
+<p:sld xmlns:a="http://schemas.openxmlformats.org/drawingml/2006/main" xmlns:r="http://schemas.openxmlformats.org/officeDocument/2006/relationships" xmlns:mc="http://schemas.openxmlformats.org/markup-compatibility/2006" xmlns:mv="urn:schemas-microsoft-com:mac:vml" xmlns:p="http://schemas.openxmlformats.org/presentationml/2006/main" xmlns:c="http://schemas.openxmlformats.org/drawingml/2006/chart" xmlns:dgm="http://schemas.openxmlformats.org/drawingml/2006/diagram" xmlns:o="urn:schemas-microsoft-com:office:office" xmlns:v="urn:schemas-microsoft-com:vml" xmlns:pvml="urn:schemas-microsoft-com:office:powerpoint" xmlns:com="http://schemas.openxmlformats.org/drawingml/2006/compatibility" xmlns:p14="http://schemas.microsoft.com/office/powerpoint/2010/main" xmlns:p15="http://schemas.microsoft.com/office/powerpoint/2012/main" xmlns:ahyp="http://schemas.microsoft.com/office/drawing/2018/hyperlinkcolor">
+  <p:cSld>
+    <p:spTree>
+      <p:nvGrpSpPr>
+        <p:cNvPr id="233" name="Shape 233"/>
+        <p:cNvGrpSpPr/>
+        <p:nvPr/>
+      </p:nvGrpSpPr>
+      <p:grpSpPr>
+        <a:xfrm>
+          <a:off x="0" y="0"/>
+          <a:ext cx="0" cy="0"/>
+          <a:chOff x="0" y="0"/>
+          <a:chExt cx="0" cy="0"/>
+        </a:xfrm>
+      </p:grpSpPr>
+      <p:sp>
+        <p:nvSpPr>
+          <p:cNvPr id="234" name="Google Shape;234;p28"/>
+          <p:cNvSpPr txBox="1"/>
+          <p:nvPr>
+            <p:ph type="title"/>
+          </p:nvPr>
+        </p:nvSpPr>
+        <p:spPr>
+          <a:xfrm>
+            <a:off x="819150" y="212575"/>
+            <a:ext cx="7675500" cy="592200"/>
+          </a:xfrm>
+          <a:prstGeom prst="rect">
+            <a:avLst/>
+          </a:prstGeom>
+        </p:spPr>
+        <p:txBody>
+          <a:bodyPr anchorCtr="0" anchor="t" bIns="91425" lIns="91425" spcFirstLastPara="1" rIns="91425" wrap="square" tIns="91425">
+            <a:normAutofit/>
+          </a:bodyPr>
+          <a:lstStyle/>
+          <a:p>
+            <a:pPr indent="0" lvl="0" marL="0" rtl="0" algn="ctr">
+              <a:lnSpc>
+                <a:spcPct val="135714"/>
+              </a:lnSpc>
+              <a:spcBef>
+                <a:spcPts val="0"/>
+              </a:spcBef>
+              <a:spcAft>
+                <a:spcPts val="0"/>
+              </a:spcAft>
+              <a:buNone/>
+            </a:pPr>
+            <a:r>
+              <a:rPr b="1" lang="ru" sz="2050">
+                <a:solidFill>
+                  <a:srgbClr val="008000"/>
+                </a:solidFill>
+                <a:highlight>
+                  <a:srgbClr val="F7F7F7"/>
+                </a:highlight>
+                <a:latin typeface="Courier New"/>
+                <a:ea typeface="Courier New"/>
+                <a:cs typeface="Courier New"/>
+                <a:sym typeface="Courier New"/>
+              </a:rPr>
+              <a:t>нейронная модель</a:t>
+            </a:r>
+            <a:endParaRPr b="1" sz="2050">
+              <a:solidFill>
+                <a:srgbClr val="008000"/>
+              </a:solidFill>
+              <a:highlight>
+                <a:srgbClr val="F7F7F7"/>
+              </a:highlight>
+              <a:latin typeface="Courier New"/>
+              <a:ea typeface="Courier New"/>
+              <a:cs typeface="Courier New"/>
+              <a:sym typeface="Courier New"/>
+            </a:endParaRPr>
+          </a:p>
+        </p:txBody>
+      </p:sp>
+      <p:sp>
+        <p:nvSpPr>
+          <p:cNvPr id="235" name="Google Shape;235;p28"/>
+          <p:cNvSpPr txBox="1"/>
+          <p:nvPr>
+            <p:ph idx="1" type="body"/>
+          </p:nvPr>
+        </p:nvSpPr>
+        <p:spPr>
+          <a:xfrm>
+            <a:off x="819150" y="1444750"/>
+            <a:ext cx="7505700" cy="2994000"/>
+          </a:xfrm>
+          <a:prstGeom prst="rect">
+            <a:avLst/>
+          </a:prstGeom>
+        </p:spPr>
+        <p:txBody>
+          <a:bodyPr anchorCtr="0" anchor="t" bIns="91425" lIns="91425" spcFirstLastPara="1" rIns="91425" wrap="square" tIns="91425">
+            <a:normAutofit/>
+          </a:bodyPr>
+          <a:lstStyle/>
+          <a:p>
+            <a:pPr indent="0" lvl="0" marL="0" rtl="0" algn="l">
+              <a:spcBef>
+                <a:spcPts val="0"/>
+              </a:spcBef>
+              <a:spcAft>
+                <a:spcPts val="1200"/>
+              </a:spcAft>
+              <a:buNone/>
+            </a:pPr>
+            <a:r>
+              <a:t/>
+            </a:r>
+            <a:endParaRPr/>
+          </a:p>
+        </p:txBody>
+      </p:sp>
+      <p:pic>
+        <p:nvPicPr>
+          <p:cNvPr id="236" name="Google Shape;236;p28"/>
+          <p:cNvPicPr preferRelativeResize="0"/>
+          <p:nvPr/>
+        </p:nvPicPr>
+        <p:blipFill>
+          <a:blip r:embed="rId3">
+            <a:alphaModFix/>
+          </a:blip>
+          <a:stretch>
+            <a:fillRect/>
+          </a:stretch>
+        </p:blipFill>
+        <p:spPr>
+          <a:xfrm>
+            <a:off x="218975" y="804775"/>
+            <a:ext cx="4561851" cy="4138000"/>
+          </a:xfrm>
+          <a:prstGeom prst="rect">
+            <a:avLst/>
+          </a:prstGeom>
+          <a:noFill/>
+          <a:ln>
+            <a:noFill/>
+          </a:ln>
+        </p:spPr>
+      </p:pic>
+      <p:pic>
+        <p:nvPicPr>
+          <p:cNvPr id="237" name="Google Shape;237;p28"/>
+          <p:cNvPicPr preferRelativeResize="0"/>
+          <p:nvPr/>
+        </p:nvPicPr>
+        <p:blipFill>
+          <a:blip r:embed="rId4">
+            <a:alphaModFix/>
+          </a:blip>
+          <a:stretch>
+            <a:fillRect/>
+          </a:stretch>
+        </p:blipFill>
+        <p:spPr>
+          <a:xfrm>
+            <a:off x="4780825" y="804775"/>
+            <a:ext cx="4151300" cy="4138000"/>
+          </a:xfrm>
+          <a:prstGeom prst="rect">
+            <a:avLst/>
+          </a:prstGeom>
+          <a:noFill/>
+          <a:ln>
+            <a:noFill/>
+          </a:ln>
+        </p:spPr>
+      </p:pic>
+    </p:spTree>
+  </p:cSld>
+  <p:clrMapOvr>
+    <a:masterClrMapping/>
+  </p:clrMapOvr>
+  <mc:AlternateContent>
+    <mc:Choice Requires="p14">
+      <p:transition spd="med">
+        <p14:flip dir="l"/>
+      </p:transition>
+    </mc:Choice>
+    <mc:Fallback>
+      <p:transition spd="med">
+        <p:fade/>
+      </p:transition>
+    </mc:Fallback>
+  </mc:AlternateContent>
+</p:sld>
+</file>
+
+<file path=ppt/slides/slide17.xml><?xml version="1.0" encoding="utf-8"?>
+<p:sld xmlns:a="http://schemas.openxmlformats.org/drawingml/2006/main" xmlns:r="http://schemas.openxmlformats.org/officeDocument/2006/relationships" xmlns:mc="http://schemas.openxmlformats.org/markup-compatibility/2006" xmlns:mv="urn:schemas-microsoft-com:mac:vml" xmlns:p="http://schemas.openxmlformats.org/presentationml/2006/main" xmlns:c="http://schemas.openxmlformats.org/drawingml/2006/chart" xmlns:dgm="http://schemas.openxmlformats.org/drawingml/2006/diagram" xmlns:o="urn:schemas-microsoft-com:office:office" xmlns:v="urn:schemas-microsoft-com:vml" xmlns:pvml="urn:schemas-microsoft-com:office:powerpoint" xmlns:com="http://schemas.openxmlformats.org/drawingml/2006/compatibility" xmlns:p14="http://schemas.microsoft.com/office/powerpoint/2010/main" xmlns:p15="http://schemas.microsoft.com/office/powerpoint/2012/main" xmlns:ahyp="http://schemas.microsoft.com/office/drawing/2018/hyperlinkcolor">
+  <p:cSld>
+    <p:spTree>
+      <p:nvGrpSpPr>
+        <p:cNvPr id="241" name="Shape 241"/>
+        <p:cNvGrpSpPr/>
+        <p:nvPr/>
+      </p:nvGrpSpPr>
+      <p:grpSpPr>
+        <a:xfrm>
+          <a:off x="0" y="0"/>
+          <a:ext cx="0" cy="0"/>
+          <a:chOff x="0" y="0"/>
+          <a:chExt cx="0" cy="0"/>
+        </a:xfrm>
+      </p:grpSpPr>
+      <p:sp>
+        <p:nvSpPr>
+          <p:cNvPr id="242" name="Google Shape;242;p29"/>
           <p:cNvSpPr txBox="1"/>
           <p:nvPr>
             <p:ph type="title"/>
@@ -11312,7 +12717,7 @@
       </p:sp>
       <p:sp>
         <p:nvSpPr>
-          <p:cNvPr id="212" name="Google Shape;212;p25"/>
+          <p:cNvPr id="243" name="Google Shape;243;p29"/>
           <p:cNvSpPr txBox="1"/>
           <p:nvPr>
             <p:ph idx="1" type="body"/>
@@ -11447,12 +12852,12 @@
 </p:sld>
 </file>
 
-<file path=ppt/slides/slide14.xml><?xml version="1.0" encoding="utf-8"?>
+<file path=ppt/slides/slide18.xml><?xml version="1.0" encoding="utf-8"?>
 <p:sld xmlns:a="http://schemas.openxmlformats.org/drawingml/2006/main" xmlns:r="http://schemas.openxmlformats.org/officeDocument/2006/relationships" xmlns:mc="http://schemas.openxmlformats.org/markup-compatibility/2006" xmlns:mv="urn:schemas-microsoft-com:mac:vml" xmlns:p="http://schemas.openxmlformats.org/presentationml/2006/main" xmlns:c="http://schemas.openxmlformats.org/drawingml/2006/chart" xmlns:dgm="http://schemas.openxmlformats.org/drawingml/2006/diagram" xmlns:o="urn:schemas-microsoft-com:office:office" xmlns:v="urn:schemas-microsoft-com:vml" xmlns:pvml="urn:schemas-microsoft-com:office:powerpoint" xmlns:com="http://schemas.openxmlformats.org/drawingml/2006/compatibility" xmlns:p14="http://schemas.microsoft.com/office/powerpoint/2010/main" xmlns:p15="http://schemas.microsoft.com/office/powerpoint/2012/main" xmlns:ahyp="http://schemas.microsoft.com/office/drawing/2018/hyperlinkcolor">
   <p:cSld>
     <p:spTree>
       <p:nvGrpSpPr>
-        <p:cNvPr id="216" name="Shape 216"/>
+        <p:cNvPr id="247" name="Shape 247"/>
         <p:cNvGrpSpPr/>
         <p:nvPr/>
       </p:nvGrpSpPr>
@@ -11466,7 +12871,7 @@
       </p:grpSpPr>
       <p:sp>
         <p:nvSpPr>
-          <p:cNvPr id="217" name="Google Shape;217;p26"/>
+          <p:cNvPr id="248" name="Google Shape;248;p30"/>
           <p:cNvSpPr txBox="1"/>
           <p:nvPr>
             <p:ph type="title"/>
@@ -11572,7 +12977,7 @@
       </p:sp>
       <p:sp>
         <p:nvSpPr>
-          <p:cNvPr id="218" name="Google Shape;218;p26"/>
+          <p:cNvPr id="249" name="Google Shape;249;p30"/>
           <p:cNvSpPr txBox="1"/>
           <p:nvPr>
             <p:ph idx="1" type="body"/>
@@ -11676,12 +13081,12 @@
 </p:sld>
 </file>
 
-<file path=ppt/slides/slide15.xml><?xml version="1.0" encoding="utf-8"?>
+<file path=ppt/slides/slide19.xml><?xml version="1.0" encoding="utf-8"?>
 <p:sld xmlns:a="http://schemas.openxmlformats.org/drawingml/2006/main" xmlns:r="http://schemas.openxmlformats.org/officeDocument/2006/relationships" xmlns:mc="http://schemas.openxmlformats.org/markup-compatibility/2006" xmlns:mv="urn:schemas-microsoft-com:mac:vml" xmlns:p="http://schemas.openxmlformats.org/presentationml/2006/main" xmlns:c="http://schemas.openxmlformats.org/drawingml/2006/chart" xmlns:dgm="http://schemas.openxmlformats.org/drawingml/2006/diagram" xmlns:o="urn:schemas-microsoft-com:office:office" xmlns:v="urn:schemas-microsoft-com:vml" xmlns:pvml="urn:schemas-microsoft-com:office:powerpoint" xmlns:com="http://schemas.openxmlformats.org/drawingml/2006/compatibility" xmlns:p14="http://schemas.microsoft.com/office/powerpoint/2010/main" xmlns:p15="http://schemas.microsoft.com/office/powerpoint/2012/main" xmlns:ahyp="http://schemas.microsoft.com/office/drawing/2018/hyperlinkcolor">
   <p:cSld>
     <p:spTree>
       <p:nvGrpSpPr>
-        <p:cNvPr id="222" name="Shape 222"/>
+        <p:cNvPr id="253" name="Shape 253"/>
         <p:cNvGrpSpPr/>
         <p:nvPr/>
       </p:nvGrpSpPr>
@@ -11695,7 +13100,7 @@
       </p:grpSpPr>
       <p:sp>
         <p:nvSpPr>
-          <p:cNvPr id="223" name="Google Shape;223;p27"/>
+          <p:cNvPr id="254" name="Google Shape;254;p31"/>
           <p:cNvSpPr txBox="1"/>
           <p:nvPr>
             <p:ph type="title"/>
@@ -11760,7 +13165,7 @@
       </p:sp>
       <p:sp>
         <p:nvSpPr>
-          <p:cNvPr id="224" name="Google Shape;224;p27"/>
+          <p:cNvPr id="255" name="Google Shape;255;p31"/>
           <p:cNvSpPr txBox="1"/>
           <p:nvPr>
             <p:ph idx="1" type="body"/>
@@ -11804,7 +13209,7 @@
       </p:sp>
       <p:pic>
         <p:nvPicPr>
-          <p:cNvPr id="225" name="Google Shape;225;p27"/>
+          <p:cNvPr id="256" name="Google Shape;256;p31"/>
           <p:cNvPicPr preferRelativeResize="0"/>
           <p:nvPr/>
         </p:nvPicPr>
@@ -11850,12 +13255,12 @@
 </p:sld>
 </file>
 
-<file path=ppt/slides/slide16.xml><?xml version="1.0" encoding="utf-8"?>
+<file path=ppt/slides/slide2.xml><?xml version="1.0" encoding="utf-8"?>
 <p:sld xmlns:a="http://schemas.openxmlformats.org/drawingml/2006/main" xmlns:r="http://schemas.openxmlformats.org/officeDocument/2006/relationships" xmlns:mc="http://schemas.openxmlformats.org/markup-compatibility/2006" xmlns:mv="urn:schemas-microsoft-com:mac:vml" xmlns:p="http://schemas.openxmlformats.org/presentationml/2006/main" xmlns:c="http://schemas.openxmlformats.org/drawingml/2006/chart" xmlns:dgm="http://schemas.openxmlformats.org/drawingml/2006/diagram" xmlns:o="urn:schemas-microsoft-com:office:office" xmlns:v="urn:schemas-microsoft-com:vml" xmlns:pvml="urn:schemas-microsoft-com:office:powerpoint" xmlns:com="http://schemas.openxmlformats.org/drawingml/2006/compatibility" xmlns:p14="http://schemas.microsoft.com/office/powerpoint/2010/main" xmlns:p15="http://schemas.microsoft.com/office/powerpoint/2012/main" xmlns:ahyp="http://schemas.microsoft.com/office/drawing/2018/hyperlinkcolor">
   <p:cSld>
     <p:spTree>
       <p:nvGrpSpPr>
-        <p:cNvPr id="229" name="Shape 229"/>
+        <p:cNvPr id="133" name="Shape 133"/>
         <p:cNvGrpSpPr/>
         <p:nvPr/>
       </p:nvGrpSpPr>
@@ -11869,7 +13274,329 @@
       </p:grpSpPr>
       <p:sp>
         <p:nvSpPr>
-          <p:cNvPr id="230" name="Google Shape;230;p28"/>
+          <p:cNvPr id="134" name="Google Shape;134;p14"/>
+          <p:cNvSpPr txBox="1"/>
+          <p:nvPr>
+            <p:ph type="title"/>
+          </p:nvPr>
+        </p:nvSpPr>
+        <p:spPr>
+          <a:xfrm>
+            <a:off x="819150" y="201175"/>
+            <a:ext cx="7505700" cy="480000"/>
+          </a:xfrm>
+          <a:prstGeom prst="rect">
+            <a:avLst/>
+          </a:prstGeom>
+        </p:spPr>
+        <p:txBody>
+          <a:bodyPr anchorCtr="0" anchor="t" bIns="91425" lIns="91425" spcFirstLastPara="1" rIns="91425" wrap="square" tIns="91425">
+            <a:normAutofit fontScale="90000"/>
+          </a:bodyPr>
+          <a:lstStyle/>
+          <a:p>
+            <a:pPr indent="0" lvl="0" marL="0" rtl="0" algn="ctr">
+              <a:lnSpc>
+                <a:spcPct val="135714"/>
+              </a:lnSpc>
+              <a:spcBef>
+                <a:spcPts val="0"/>
+              </a:spcBef>
+              <a:spcAft>
+                <a:spcPts val="0"/>
+              </a:spcAft>
+              <a:buNone/>
+            </a:pPr>
+            <a:r>
+              <a:rPr b="1" lang="ru" sz="2050">
+                <a:solidFill>
+                  <a:srgbClr val="008000"/>
+                </a:solidFill>
+                <a:highlight>
+                  <a:srgbClr val="F7F7F7"/>
+                </a:highlight>
+                <a:latin typeface="Courier New"/>
+                <a:ea typeface="Courier New"/>
+                <a:cs typeface="Courier New"/>
+                <a:sym typeface="Courier New"/>
+              </a:rPr>
+              <a:t>информация о датасете</a:t>
+            </a:r>
+            <a:endParaRPr b="1" sz="3000">
+              <a:solidFill>
+                <a:srgbClr val="008000"/>
+              </a:solidFill>
+              <a:highlight>
+                <a:srgbClr val="F7F7F7"/>
+              </a:highlight>
+              <a:latin typeface="Times New Roman"/>
+              <a:ea typeface="Times New Roman"/>
+              <a:cs typeface="Times New Roman"/>
+              <a:sym typeface="Times New Roman"/>
+            </a:endParaRPr>
+          </a:p>
+          <a:p>
+            <a:pPr indent="0" lvl="0" marL="0" rtl="0" algn="l">
+              <a:spcBef>
+                <a:spcPts val="0"/>
+              </a:spcBef>
+              <a:spcAft>
+                <a:spcPts val="0"/>
+              </a:spcAft>
+              <a:buNone/>
+            </a:pPr>
+            <a:r>
+              <a:t/>
+            </a:r>
+            <a:endParaRPr/>
+          </a:p>
+        </p:txBody>
+      </p:sp>
+      <p:sp>
+        <p:nvSpPr>
+          <p:cNvPr id="135" name="Google Shape;135;p14"/>
+          <p:cNvSpPr txBox="1"/>
+          <p:nvPr>
+            <p:ph idx="1" type="body"/>
+          </p:nvPr>
+        </p:nvSpPr>
+        <p:spPr>
+          <a:xfrm>
+            <a:off x="819150" y="1444750"/>
+            <a:ext cx="7505700" cy="2994000"/>
+          </a:xfrm>
+          <a:prstGeom prst="rect">
+            <a:avLst/>
+          </a:prstGeom>
+        </p:spPr>
+        <p:txBody>
+          <a:bodyPr anchorCtr="0" anchor="t" bIns="91425" lIns="91425" spcFirstLastPara="1" rIns="91425" wrap="square" tIns="91425">
+            <a:normAutofit/>
+          </a:bodyPr>
+          <a:lstStyle/>
+          <a:p>
+            <a:pPr indent="0" lvl="0" marL="0" rtl="0" algn="l">
+              <a:lnSpc>
+                <a:spcPct val="135714"/>
+              </a:lnSpc>
+              <a:spcBef>
+                <a:spcPts val="0"/>
+              </a:spcBef>
+              <a:spcAft>
+                <a:spcPts val="0"/>
+              </a:spcAft>
+              <a:buNone/>
+            </a:pPr>
+            <a:r>
+              <a:rPr lang="ru" sz="1050">
+                <a:solidFill>
+                  <a:srgbClr val="000000"/>
+                </a:solidFill>
+                <a:highlight>
+                  <a:srgbClr val="F7F7F7"/>
+                </a:highlight>
+                <a:latin typeface="Courier New"/>
+                <a:ea typeface="Courier New"/>
+                <a:cs typeface="Courier New"/>
+                <a:sym typeface="Courier New"/>
+              </a:rPr>
+              <a:t>dataframe.info()</a:t>
+            </a:r>
+            <a:endParaRPr sz="1050">
+              <a:solidFill>
+                <a:srgbClr val="000000"/>
+              </a:solidFill>
+              <a:highlight>
+                <a:srgbClr val="F7F7F7"/>
+              </a:highlight>
+              <a:latin typeface="Courier New"/>
+              <a:ea typeface="Courier New"/>
+              <a:cs typeface="Courier New"/>
+              <a:sym typeface="Courier New"/>
+            </a:endParaRPr>
+          </a:p>
+          <a:p>
+            <a:pPr indent="0" lvl="0" marL="0" rtl="0" algn="l">
+              <a:lnSpc>
+                <a:spcPct val="135714"/>
+              </a:lnSpc>
+              <a:spcBef>
+                <a:spcPts val="0"/>
+              </a:spcBef>
+              <a:spcAft>
+                <a:spcPts val="0"/>
+              </a:spcAft>
+              <a:buNone/>
+            </a:pPr>
+            <a:r>
+              <a:rPr lang="ru" sz="1050">
+                <a:solidFill>
+                  <a:srgbClr val="000000"/>
+                </a:solidFill>
+                <a:highlight>
+                  <a:srgbClr val="F7F7F7"/>
+                </a:highlight>
+                <a:latin typeface="Courier New"/>
+                <a:ea typeface="Courier New"/>
+                <a:cs typeface="Courier New"/>
+                <a:sym typeface="Courier New"/>
+              </a:rPr>
+              <a:t>dataframe.info()</a:t>
+            </a:r>
+            <a:endParaRPr sz="1050">
+              <a:solidFill>
+                <a:srgbClr val="000000"/>
+              </a:solidFill>
+              <a:highlight>
+                <a:srgbClr val="F7F7F7"/>
+              </a:highlight>
+              <a:latin typeface="Courier New"/>
+              <a:ea typeface="Courier New"/>
+              <a:cs typeface="Courier New"/>
+              <a:sym typeface="Courier New"/>
+            </a:endParaRPr>
+          </a:p>
+          <a:p>
+            <a:pPr indent="0" lvl="0" marL="0" rtl="0" algn="l">
+              <a:spcBef>
+                <a:spcPts val="0"/>
+              </a:spcBef>
+              <a:spcAft>
+                <a:spcPts val="1200"/>
+              </a:spcAft>
+              <a:buNone/>
+            </a:pPr>
+            <a:r>
+              <a:t/>
+            </a:r>
+            <a:endParaRPr/>
+          </a:p>
+        </p:txBody>
+      </p:sp>
+      <p:pic>
+        <p:nvPicPr>
+          <p:cNvPr id="136" name="Google Shape;136;p14"/>
+          <p:cNvPicPr preferRelativeResize="0"/>
+          <p:nvPr/>
+        </p:nvPicPr>
+        <p:blipFill>
+          <a:blip r:embed="rId3">
+            <a:alphaModFix/>
+          </a:blip>
+          <a:stretch>
+            <a:fillRect/>
+          </a:stretch>
+        </p:blipFill>
+        <p:spPr>
+          <a:xfrm>
+            <a:off x="209625" y="681175"/>
+            <a:ext cx="3134225" cy="4273000"/>
+          </a:xfrm>
+          <a:prstGeom prst="rect">
+            <a:avLst/>
+          </a:prstGeom>
+          <a:noFill/>
+          <a:ln>
+            <a:noFill/>
+          </a:ln>
+        </p:spPr>
+      </p:pic>
+      <p:pic>
+        <p:nvPicPr>
+          <p:cNvPr id="137" name="Google Shape;137;p14"/>
+          <p:cNvPicPr preferRelativeResize="0"/>
+          <p:nvPr/>
+        </p:nvPicPr>
+        <p:blipFill>
+          <a:blip r:embed="rId4">
+            <a:alphaModFix/>
+          </a:blip>
+          <a:stretch>
+            <a:fillRect/>
+          </a:stretch>
+        </p:blipFill>
+        <p:spPr>
+          <a:xfrm>
+            <a:off x="3024525" y="681175"/>
+            <a:ext cx="5918999" cy="2033250"/>
+          </a:xfrm>
+          <a:prstGeom prst="rect">
+            <a:avLst/>
+          </a:prstGeom>
+          <a:noFill/>
+          <a:ln>
+            <a:noFill/>
+          </a:ln>
+        </p:spPr>
+      </p:pic>
+      <p:pic>
+        <p:nvPicPr>
+          <p:cNvPr id="138" name="Google Shape;138;p14"/>
+          <p:cNvPicPr preferRelativeResize="0"/>
+          <p:nvPr/>
+        </p:nvPicPr>
+        <p:blipFill>
+          <a:blip r:embed="rId5">
+            <a:alphaModFix/>
+          </a:blip>
+          <a:stretch>
+            <a:fillRect/>
+          </a:stretch>
+        </p:blipFill>
+        <p:spPr>
+          <a:xfrm>
+            <a:off x="2978900" y="2714425"/>
+            <a:ext cx="5964624" cy="2239751"/>
+          </a:xfrm>
+          <a:prstGeom prst="rect">
+            <a:avLst/>
+          </a:prstGeom>
+          <a:noFill/>
+          <a:ln>
+            <a:noFill/>
+          </a:ln>
+        </p:spPr>
+      </p:pic>
+    </p:spTree>
+  </p:cSld>
+  <p:clrMapOvr>
+    <a:masterClrMapping/>
+  </p:clrMapOvr>
+  <mc:AlternateContent>
+    <mc:Choice Requires="p14">
+      <p:transition spd="med">
+        <p14:flip dir="l"/>
+      </p:transition>
+    </mc:Choice>
+    <mc:Fallback>
+      <p:transition spd="med">
+        <p:fade/>
+      </p:transition>
+    </mc:Fallback>
+  </mc:AlternateContent>
+</p:sld>
+</file>
+
+<file path=ppt/slides/slide20.xml><?xml version="1.0" encoding="utf-8"?>
+<p:sld xmlns:a="http://schemas.openxmlformats.org/drawingml/2006/main" xmlns:r="http://schemas.openxmlformats.org/officeDocument/2006/relationships" xmlns:mc="http://schemas.openxmlformats.org/markup-compatibility/2006" xmlns:mv="urn:schemas-microsoft-com:mac:vml" xmlns:p="http://schemas.openxmlformats.org/presentationml/2006/main" xmlns:c="http://schemas.openxmlformats.org/drawingml/2006/chart" xmlns:dgm="http://schemas.openxmlformats.org/drawingml/2006/diagram" xmlns:o="urn:schemas-microsoft-com:office:office" xmlns:v="urn:schemas-microsoft-com:vml" xmlns:pvml="urn:schemas-microsoft-com:office:powerpoint" xmlns:com="http://schemas.openxmlformats.org/drawingml/2006/compatibility" xmlns:p14="http://schemas.microsoft.com/office/powerpoint/2010/main" xmlns:p15="http://schemas.microsoft.com/office/powerpoint/2012/main" xmlns:ahyp="http://schemas.microsoft.com/office/drawing/2018/hyperlinkcolor">
+  <p:cSld>
+    <p:spTree>
+      <p:nvGrpSpPr>
+        <p:cNvPr id="260" name="Shape 260"/>
+        <p:cNvGrpSpPr/>
+        <p:nvPr/>
+      </p:nvGrpSpPr>
+      <p:grpSpPr>
+        <a:xfrm>
+          <a:off x="0" y="0"/>
+          <a:ext cx="0" cy="0"/>
+          <a:chOff x="0" y="0"/>
+          <a:chExt cx="0" cy="0"/>
+        </a:xfrm>
+      </p:grpSpPr>
+      <p:sp>
+        <p:nvSpPr>
+          <p:cNvPr id="261" name="Google Shape;261;p32"/>
           <p:cNvSpPr txBox="1"/>
           <p:nvPr>
             <p:ph type="title"/>
@@ -11934,7 +13661,7 @@
       </p:sp>
       <p:sp>
         <p:nvSpPr>
-          <p:cNvPr id="231" name="Google Shape;231;p28"/>
+          <p:cNvPr id="262" name="Google Shape;262;p32"/>
           <p:cNvSpPr txBox="1"/>
           <p:nvPr>
             <p:ph idx="1" type="body"/>
@@ -11978,7 +13705,7 @@
       </p:sp>
       <p:pic>
         <p:nvPicPr>
-          <p:cNvPr id="232" name="Google Shape;232;p28"/>
+          <p:cNvPr id="263" name="Google Shape;263;p32"/>
           <p:cNvPicPr preferRelativeResize="0"/>
           <p:nvPr/>
         </p:nvPicPr>
@@ -12024,12 +13751,12 @@
 </p:sld>
 </file>
 
-<file path=ppt/slides/slide17.xml><?xml version="1.0" encoding="utf-8"?>
+<file path=ppt/slides/slide21.xml><?xml version="1.0" encoding="utf-8"?>
 <p:sld xmlns:a="http://schemas.openxmlformats.org/drawingml/2006/main" xmlns:r="http://schemas.openxmlformats.org/officeDocument/2006/relationships" xmlns:mc="http://schemas.openxmlformats.org/markup-compatibility/2006" xmlns:mv="urn:schemas-microsoft-com:mac:vml" xmlns:p="http://schemas.openxmlformats.org/presentationml/2006/main" xmlns:c="http://schemas.openxmlformats.org/drawingml/2006/chart" xmlns:dgm="http://schemas.openxmlformats.org/drawingml/2006/diagram" xmlns:o="urn:schemas-microsoft-com:office:office" xmlns:v="urn:schemas-microsoft-com:vml" xmlns:pvml="urn:schemas-microsoft-com:office:powerpoint" xmlns:com="http://schemas.openxmlformats.org/drawingml/2006/compatibility" xmlns:p14="http://schemas.microsoft.com/office/powerpoint/2010/main" xmlns:p15="http://schemas.microsoft.com/office/powerpoint/2012/main" xmlns:ahyp="http://schemas.microsoft.com/office/drawing/2018/hyperlinkcolor">
   <p:cSld>
     <p:spTree>
       <p:nvGrpSpPr>
-        <p:cNvPr id="236" name="Shape 236"/>
+        <p:cNvPr id="267" name="Shape 267"/>
         <p:cNvGrpSpPr/>
         <p:nvPr/>
       </p:nvGrpSpPr>
@@ -12043,7 +13770,7 @@
       </p:grpSpPr>
       <p:sp>
         <p:nvSpPr>
-          <p:cNvPr id="237" name="Google Shape;237;p29"/>
+          <p:cNvPr id="268" name="Google Shape;268;p33"/>
           <p:cNvSpPr txBox="1"/>
           <p:nvPr>
             <p:ph type="title"/>
@@ -12123,7 +13850,7 @@
       </p:sp>
       <p:sp>
         <p:nvSpPr>
-          <p:cNvPr id="238" name="Google Shape;238;p29"/>
+          <p:cNvPr id="269" name="Google Shape;269;p33"/>
           <p:cNvSpPr txBox="1"/>
           <p:nvPr>
             <p:ph idx="1" type="body"/>
@@ -12167,7 +13894,7 @@
       </p:sp>
       <p:pic>
         <p:nvPicPr>
-          <p:cNvPr id="239" name="Google Shape;239;p29"/>
+          <p:cNvPr id="270" name="Google Shape;270;p33"/>
           <p:cNvPicPr preferRelativeResize="0"/>
           <p:nvPr/>
         </p:nvPicPr>
@@ -12213,12 +13940,12 @@
 </p:sld>
 </file>
 
-<file path=ppt/slides/slide18.xml><?xml version="1.0" encoding="utf-8"?>
+<file path=ppt/slides/slide22.xml><?xml version="1.0" encoding="utf-8"?>
 <p:sld xmlns:a="http://schemas.openxmlformats.org/drawingml/2006/main" xmlns:r="http://schemas.openxmlformats.org/officeDocument/2006/relationships" xmlns:mc="http://schemas.openxmlformats.org/markup-compatibility/2006" xmlns:mv="urn:schemas-microsoft-com:mac:vml" xmlns:p="http://schemas.openxmlformats.org/presentationml/2006/main" xmlns:c="http://schemas.openxmlformats.org/drawingml/2006/chart" xmlns:dgm="http://schemas.openxmlformats.org/drawingml/2006/diagram" xmlns:o="urn:schemas-microsoft-com:office:office" xmlns:v="urn:schemas-microsoft-com:vml" xmlns:pvml="urn:schemas-microsoft-com:office:powerpoint" xmlns:com="http://schemas.openxmlformats.org/drawingml/2006/compatibility" xmlns:p14="http://schemas.microsoft.com/office/powerpoint/2010/main" xmlns:p15="http://schemas.microsoft.com/office/powerpoint/2012/main" xmlns:ahyp="http://schemas.microsoft.com/office/drawing/2018/hyperlinkcolor">
   <p:cSld>
     <p:spTree>
       <p:nvGrpSpPr>
-        <p:cNvPr id="243" name="Shape 243"/>
+        <p:cNvPr id="274" name="Shape 274"/>
         <p:cNvGrpSpPr/>
         <p:nvPr/>
       </p:nvGrpSpPr>
@@ -12232,7 +13959,7 @@
       </p:grpSpPr>
       <p:sp>
         <p:nvSpPr>
-          <p:cNvPr id="244" name="Google Shape;244;p30"/>
+          <p:cNvPr id="275" name="Google Shape;275;p34"/>
           <p:cNvSpPr txBox="1"/>
           <p:nvPr>
             <p:ph type="title"/>
@@ -12297,7 +14024,7 @@
       </p:sp>
       <p:sp>
         <p:nvSpPr>
-          <p:cNvPr id="245" name="Google Shape;245;p30"/>
+          <p:cNvPr id="276" name="Google Shape;276;p34"/>
           <p:cNvSpPr txBox="1"/>
           <p:nvPr>
             <p:ph idx="1" type="body"/>
@@ -12341,7 +14068,7 @@
       </p:sp>
       <p:pic>
         <p:nvPicPr>
-          <p:cNvPr id="246" name="Google Shape;246;p30"/>
+          <p:cNvPr id="277" name="Google Shape;277;p34"/>
           <p:cNvPicPr preferRelativeResize="0"/>
           <p:nvPr/>
         </p:nvPicPr>
@@ -12387,12 +14114,12 @@
 </p:sld>
 </file>
 
-<file path=ppt/slides/slide2.xml><?xml version="1.0" encoding="utf-8"?>
+<file path=ppt/slides/slide23.xml><?xml version="1.0" encoding="utf-8"?>
 <p:sld xmlns:a="http://schemas.openxmlformats.org/drawingml/2006/main" xmlns:r="http://schemas.openxmlformats.org/officeDocument/2006/relationships" xmlns:mc="http://schemas.openxmlformats.org/markup-compatibility/2006" xmlns:mv="urn:schemas-microsoft-com:mac:vml" xmlns:p="http://schemas.openxmlformats.org/presentationml/2006/main" xmlns:c="http://schemas.openxmlformats.org/drawingml/2006/chart" xmlns:dgm="http://schemas.openxmlformats.org/drawingml/2006/diagram" xmlns:o="urn:schemas-microsoft-com:office:office" xmlns:v="urn:schemas-microsoft-com:vml" xmlns:pvml="urn:schemas-microsoft-com:office:powerpoint" xmlns:com="http://schemas.openxmlformats.org/drawingml/2006/compatibility" xmlns:p14="http://schemas.microsoft.com/office/powerpoint/2010/main" xmlns:p15="http://schemas.microsoft.com/office/powerpoint/2012/main" xmlns:ahyp="http://schemas.microsoft.com/office/drawing/2018/hyperlinkcolor">
   <p:cSld>
     <p:spTree>
       <p:nvGrpSpPr>
-        <p:cNvPr id="133" name="Shape 133"/>
+        <p:cNvPr id="281" name="Shape 281"/>
         <p:cNvGrpSpPr/>
         <p:nvPr/>
       </p:nvGrpSpPr>
@@ -12406,7 +14133,7 @@
       </p:grpSpPr>
       <p:sp>
         <p:nvSpPr>
-          <p:cNvPr id="134" name="Google Shape;134;p14"/>
+          <p:cNvPr id="282" name="Google Shape;282;p35"/>
           <p:cNvSpPr txBox="1"/>
           <p:nvPr>
             <p:ph type="title"/>
@@ -12414,103 +14141,8 @@
         </p:nvSpPr>
         <p:spPr>
           <a:xfrm>
-            <a:off x="819150" y="201175"/>
-            <a:ext cx="7505700" cy="480000"/>
-          </a:xfrm>
-          <a:prstGeom prst="rect">
-            <a:avLst/>
-          </a:prstGeom>
-        </p:spPr>
-        <p:txBody>
-          <a:bodyPr anchorCtr="0" anchor="t" bIns="91425" lIns="91425" spcFirstLastPara="1" rIns="91425" wrap="square" tIns="91425">
-            <a:normAutofit fontScale="90000"/>
-          </a:bodyPr>
-          <a:lstStyle/>
-          <a:p>
-            <a:pPr indent="0" lvl="0" marL="0" rtl="0" algn="ctr">
-              <a:lnSpc>
-                <a:spcPct val="135714"/>
-              </a:lnSpc>
-              <a:spcBef>
-                <a:spcPts val="0"/>
-              </a:spcBef>
-              <a:spcAft>
-                <a:spcPts val="0"/>
-              </a:spcAft>
-              <a:buNone/>
-            </a:pPr>
-            <a:r>
-              <a:rPr b="1" lang="ru" sz="2000">
-                <a:solidFill>
-                  <a:srgbClr val="008000"/>
-                </a:solidFill>
-                <a:highlight>
-                  <a:srgbClr val="F7F7F7"/>
-                </a:highlight>
-                <a:latin typeface="Times New Roman"/>
-                <a:ea typeface="Times New Roman"/>
-                <a:cs typeface="Times New Roman"/>
-                <a:sym typeface="Times New Roman"/>
-              </a:rPr>
-              <a:t>heatmap (</a:t>
-            </a:r>
-            <a:r>
-              <a:rPr b="1" lang="ru" sz="2000">
-                <a:solidFill>
-                  <a:srgbClr val="008000"/>
-                </a:solidFill>
-                <a:highlight>
-                  <a:srgbClr val="F7F7F7"/>
-                </a:highlight>
-                <a:latin typeface="Times New Roman"/>
-                <a:ea typeface="Times New Roman"/>
-                <a:cs typeface="Times New Roman"/>
-                <a:sym typeface="Times New Roman"/>
-              </a:rPr>
-              <a:t>тепловая карта)</a:t>
-            </a:r>
-            <a:endParaRPr b="1" sz="2000">
-              <a:solidFill>
-                <a:srgbClr val="008000"/>
-              </a:solidFill>
-              <a:highlight>
-                <a:srgbClr val="F7F7F7"/>
-              </a:highlight>
-              <a:latin typeface="Times New Roman"/>
-              <a:ea typeface="Times New Roman"/>
-              <a:cs typeface="Times New Roman"/>
-              <a:sym typeface="Times New Roman"/>
-            </a:endParaRPr>
-          </a:p>
-          <a:p>
-            <a:pPr indent="0" lvl="0" marL="0" rtl="0" algn="l">
-              <a:spcBef>
-                <a:spcPts val="0"/>
-              </a:spcBef>
-              <a:spcAft>
-                <a:spcPts val="0"/>
-              </a:spcAft>
-              <a:buNone/>
-            </a:pPr>
-            <a:r>
-              <a:t/>
-            </a:r>
-            <a:endParaRPr/>
-          </a:p>
-        </p:txBody>
-      </p:sp>
-      <p:sp>
-        <p:nvSpPr>
-          <p:cNvPr id="135" name="Google Shape;135;p14"/>
-          <p:cNvSpPr txBox="1"/>
-          <p:nvPr>
-            <p:ph idx="1" type="body"/>
-          </p:nvPr>
-        </p:nvSpPr>
-        <p:spPr>
-          <a:xfrm>
-            <a:off x="819150" y="1444750"/>
-            <a:ext cx="7505700" cy="2994000"/>
+            <a:off x="819150" y="220750"/>
+            <a:ext cx="7691100" cy="536400"/>
           </a:xfrm>
           <a:prstGeom prst="rect">
             <a:avLst/>
@@ -12522,7 +14154,70 @@
           </a:bodyPr>
           <a:lstStyle/>
           <a:p>
-            <a:pPr indent="0" lvl="0" marL="0" rtl="0" algn="l">
+            <a:pPr indent="0" lvl="0" marL="0" rtl="0" algn="ctr">
+              <a:lnSpc>
+                <a:spcPct val="108000"/>
+              </a:lnSpc>
+              <a:spcBef>
+                <a:spcPts val="1200"/>
+              </a:spcBef>
+              <a:spcAft>
+                <a:spcPts val="800"/>
+              </a:spcAft>
+              <a:buNone/>
+            </a:pPr>
+            <a:r>
+              <a:rPr b="1" lang="ru" sz="1800">
+                <a:solidFill>
+                  <a:srgbClr val="38761D"/>
+                </a:solidFill>
+                <a:latin typeface="Times New Roman"/>
+                <a:ea typeface="Times New Roman"/>
+                <a:cs typeface="Times New Roman"/>
+                <a:sym typeface="Times New Roman"/>
+              </a:rPr>
+              <a:t>веб-приложение (с использованием библиотеки Streamlit)</a:t>
+            </a:r>
+            <a:endParaRPr b="1" sz="1800">
+              <a:solidFill>
+                <a:srgbClr val="38761D"/>
+              </a:solidFill>
+              <a:highlight>
+                <a:srgbClr val="F7F7F7"/>
+              </a:highlight>
+              <a:latin typeface="Courier New"/>
+              <a:ea typeface="Courier New"/>
+              <a:cs typeface="Courier New"/>
+              <a:sym typeface="Courier New"/>
+            </a:endParaRPr>
+          </a:p>
+        </p:txBody>
+      </p:sp>
+      <p:sp>
+        <p:nvSpPr>
+          <p:cNvPr id="283" name="Google Shape;283;p35"/>
+          <p:cNvSpPr txBox="1"/>
+          <p:nvPr>
+            <p:ph idx="1" type="body"/>
+          </p:nvPr>
+        </p:nvSpPr>
+        <p:spPr>
+          <a:xfrm>
+            <a:off x="819150" y="1799075"/>
+            <a:ext cx="7505700" cy="2639700"/>
+          </a:xfrm>
+          <a:prstGeom prst="rect">
+            <a:avLst/>
+          </a:prstGeom>
+          <a:noFill/>
+        </p:spPr>
+        <p:txBody>
+          <a:bodyPr anchorCtr="0" anchor="t" bIns="91425" lIns="91425" spcFirstLastPara="1" rIns="91425" wrap="square" tIns="91425">
+            <a:normAutofit/>
+          </a:bodyPr>
+          <a:lstStyle/>
+          <a:p>
+            <a:pPr indent="0" lvl="0" marL="0" rtl="0" algn="ctr">
               <a:spcBef>
                 <a:spcPts val="0"/>
               </a:spcBef>
@@ -12534,13 +14229,17 @@
             <a:r>
               <a:t/>
             </a:r>
-            <a:endParaRPr/>
+            <a:endParaRPr b="1" sz="3700">
+              <a:solidFill>
+                <a:srgbClr val="1C4587"/>
+              </a:solidFill>
+            </a:endParaRPr>
           </a:p>
         </p:txBody>
       </p:sp>
       <p:pic>
         <p:nvPicPr>
-          <p:cNvPr id="136" name="Google Shape;136;p14"/>
+          <p:cNvPr id="284" name="Google Shape;284;p35"/>
           <p:cNvPicPr preferRelativeResize="0"/>
           <p:nvPr/>
         </p:nvPicPr>
@@ -12554,8 +14253,8 @@
         </p:blipFill>
         <p:spPr>
           <a:xfrm>
-            <a:off x="819150" y="829825"/>
-            <a:ext cx="7505701" cy="4087350"/>
+            <a:off x="218975" y="757150"/>
+            <a:ext cx="8713149" cy="4174226"/>
           </a:xfrm>
           <a:prstGeom prst="rect">
             <a:avLst/>
@@ -12566,6 +14265,196 @@
           </a:ln>
         </p:spPr>
       </p:pic>
+    </p:spTree>
+  </p:cSld>
+  <p:clrMapOvr>
+    <a:masterClrMapping/>
+  </p:clrMapOvr>
+  <mc:AlternateContent>
+    <mc:Choice Requires="p14">
+      <p:transition spd="med">
+        <p14:flip dir="l"/>
+      </p:transition>
+    </mc:Choice>
+    <mc:Fallback>
+      <p:transition spd="med">
+        <p:fade/>
+      </p:transition>
+    </mc:Fallback>
+  </mc:AlternateContent>
+</p:sld>
+</file>
+
+<file path=ppt/slides/slide24.xml><?xml version="1.0" encoding="utf-8"?>
+<p:sld xmlns:a="http://schemas.openxmlformats.org/drawingml/2006/main" xmlns:r="http://schemas.openxmlformats.org/officeDocument/2006/relationships" xmlns:mc="http://schemas.openxmlformats.org/markup-compatibility/2006" xmlns:mv="urn:schemas-microsoft-com:mac:vml" xmlns:p="http://schemas.openxmlformats.org/presentationml/2006/main" xmlns:c="http://schemas.openxmlformats.org/drawingml/2006/chart" xmlns:dgm="http://schemas.openxmlformats.org/drawingml/2006/diagram" xmlns:o="urn:schemas-microsoft-com:office:office" xmlns:v="urn:schemas-microsoft-com:vml" xmlns:pvml="urn:schemas-microsoft-com:office:powerpoint" xmlns:com="http://schemas.openxmlformats.org/drawingml/2006/compatibility" xmlns:p14="http://schemas.microsoft.com/office/powerpoint/2010/main" xmlns:p15="http://schemas.microsoft.com/office/powerpoint/2012/main" xmlns:ahyp="http://schemas.microsoft.com/office/drawing/2018/hyperlinkcolor">
+  <p:cSld>
+    <p:spTree>
+      <p:nvGrpSpPr>
+        <p:cNvPr id="288" name="Shape 288"/>
+        <p:cNvGrpSpPr/>
+        <p:nvPr/>
+      </p:nvGrpSpPr>
+      <p:grpSpPr>
+        <a:xfrm>
+          <a:off x="0" y="0"/>
+          <a:ext cx="0" cy="0"/>
+          <a:chOff x="0" y="0"/>
+          <a:chExt cx="0" cy="0"/>
+        </a:xfrm>
+      </p:grpSpPr>
+      <p:sp>
+        <p:nvSpPr>
+          <p:cNvPr id="289" name="Google Shape;289;p36"/>
+          <p:cNvSpPr txBox="1"/>
+          <p:nvPr>
+            <p:ph type="title"/>
+          </p:nvPr>
+        </p:nvSpPr>
+        <p:spPr>
+          <a:xfrm>
+            <a:off x="819150" y="220750"/>
+            <a:ext cx="7691100" cy="536400"/>
+          </a:xfrm>
+          <a:prstGeom prst="rect">
+            <a:avLst/>
+          </a:prstGeom>
+        </p:spPr>
+        <p:txBody>
+          <a:bodyPr anchorCtr="0" anchor="t" bIns="91425" lIns="91425" spcFirstLastPara="1" rIns="91425" wrap="square" tIns="91425">
+            <a:normAutofit/>
+          </a:bodyPr>
+          <a:lstStyle/>
+          <a:p>
+            <a:pPr indent="0" lvl="0" marL="0" rtl="0" algn="ctr">
+              <a:lnSpc>
+                <a:spcPct val="108000"/>
+              </a:lnSpc>
+              <a:spcBef>
+                <a:spcPts val="1200"/>
+              </a:spcBef>
+              <a:spcAft>
+                <a:spcPts val="800"/>
+              </a:spcAft>
+              <a:buNone/>
+            </a:pPr>
+            <a:r>
+              <a:rPr b="1" lang="ru" sz="1800">
+                <a:solidFill>
+                  <a:schemeClr val="accent5"/>
+                </a:solidFill>
+                <a:latin typeface="Times New Roman"/>
+                <a:ea typeface="Times New Roman"/>
+                <a:cs typeface="Times New Roman"/>
+                <a:sym typeface="Times New Roman"/>
+              </a:rPr>
+              <a:t>веб-приложение (с использованием библиотеки Streamlit)</a:t>
+            </a:r>
+            <a:endParaRPr b="1" sz="1800">
+              <a:solidFill>
+                <a:schemeClr val="accent5"/>
+              </a:solidFill>
+              <a:highlight>
+                <a:srgbClr val="F7F7F7"/>
+              </a:highlight>
+              <a:latin typeface="Courier New"/>
+              <a:ea typeface="Courier New"/>
+              <a:cs typeface="Courier New"/>
+              <a:sym typeface="Courier New"/>
+            </a:endParaRPr>
+          </a:p>
+        </p:txBody>
+      </p:sp>
+      <p:sp>
+        <p:nvSpPr>
+          <p:cNvPr id="290" name="Google Shape;290;p36"/>
+          <p:cNvSpPr txBox="1"/>
+          <p:nvPr>
+            <p:ph idx="1" type="body"/>
+          </p:nvPr>
+        </p:nvSpPr>
+        <p:spPr>
+          <a:xfrm>
+            <a:off x="819150" y="757150"/>
+            <a:ext cx="7505700" cy="3681600"/>
+          </a:xfrm>
+          <a:prstGeom prst="rect">
+            <a:avLst/>
+          </a:prstGeom>
+          <a:noFill/>
+        </p:spPr>
+        <p:txBody>
+          <a:bodyPr anchorCtr="0" anchor="t" bIns="91425" lIns="91425" spcFirstLastPara="1" rIns="91425" wrap="square" tIns="91425">
+            <a:noAutofit/>
+          </a:bodyPr>
+          <a:lstStyle/>
+          <a:p>
+            <a:pPr indent="0" lvl="0" marL="0" rtl="0" algn="ctr">
+              <a:lnSpc>
+                <a:spcPct val="108000"/>
+              </a:lnSpc>
+              <a:spcBef>
+                <a:spcPts val="1200"/>
+              </a:spcBef>
+              <a:spcAft>
+                <a:spcPts val="0"/>
+              </a:spcAft>
+              <a:buNone/>
+            </a:pPr>
+            <a:r>
+              <a:rPr lang="ru" sz="2200">
+                <a:solidFill>
+                  <a:schemeClr val="accent6"/>
+                </a:solidFill>
+                <a:latin typeface="Times New Roman"/>
+                <a:ea typeface="Times New Roman"/>
+                <a:cs typeface="Times New Roman"/>
+                <a:sym typeface="Times New Roman"/>
+              </a:rPr>
+              <a:t>Полученные результаты моделей подтверждают, что они эффективны в задачах распознавания голоса. Этот аспект является важным для промышленных приложений, в которых точность распознавания играет ключевую роль.</a:t>
+            </a:r>
+            <a:endParaRPr sz="2200">
+              <a:solidFill>
+                <a:schemeClr val="accent6"/>
+              </a:solidFill>
+              <a:latin typeface="Times New Roman"/>
+              <a:ea typeface="Times New Roman"/>
+              <a:cs typeface="Times New Roman"/>
+              <a:sym typeface="Times New Roman"/>
+            </a:endParaRPr>
+          </a:p>
+          <a:p>
+            <a:pPr indent="0" lvl="0" marL="0" rtl="0" algn="ctr">
+              <a:lnSpc>
+                <a:spcPct val="108000"/>
+              </a:lnSpc>
+              <a:spcBef>
+                <a:spcPts val="1200"/>
+              </a:spcBef>
+              <a:spcAft>
+                <a:spcPts val="800"/>
+              </a:spcAft>
+              <a:buNone/>
+            </a:pPr>
+            <a:r>
+              <a:rPr lang="ru" sz="2200">
+                <a:solidFill>
+                  <a:schemeClr val="accent6"/>
+                </a:solidFill>
+                <a:latin typeface="Times New Roman"/>
+                <a:ea typeface="Times New Roman"/>
+                <a:cs typeface="Times New Roman"/>
+                <a:sym typeface="Times New Roman"/>
+              </a:rPr>
+              <a:t>В процессе реализации проекта было созданное приложение (с использованием библиотеки Streamlit), которое предоставляет широкий спектр инструментов для анализа данных, включая визуализацию, статистический анализ и моделирование.</a:t>
+            </a:r>
+            <a:endParaRPr b="1" sz="4500">
+              <a:solidFill>
+                <a:schemeClr val="accent6"/>
+              </a:solidFill>
+            </a:endParaRPr>
+          </a:p>
+        </p:txBody>
+      </p:sp>
     </p:spTree>
   </p:cSld>
   <p:clrMapOvr>
@@ -12591,7 +14480,7 @@
   <p:cSld>
     <p:spTree>
       <p:nvGrpSpPr>
-        <p:cNvPr id="140" name="Shape 140"/>
+        <p:cNvPr id="142" name="Shape 142"/>
         <p:cNvGrpSpPr/>
         <p:nvPr/>
       </p:nvGrpSpPr>
@@ -12605,7 +14494,7 @@
       </p:grpSpPr>
       <p:sp>
         <p:nvSpPr>
-          <p:cNvPr id="141" name="Google Shape;141;p15"/>
+          <p:cNvPr id="143" name="Google Shape;143;p15"/>
           <p:cNvSpPr txBox="1"/>
           <p:nvPr>
             <p:ph type="title"/>
@@ -12626,10 +14515,48 @@
           </a:bodyPr>
           <a:lstStyle/>
           <a:p>
-            <a:pPr indent="0" lvl="0" marL="0" rtl="0" algn="l">
+            <a:pPr indent="0" lvl="0" marL="0" rtl="0" algn="ctr">
               <a:lnSpc>
                 <a:spcPct val="135714"/>
               </a:lnSpc>
+              <a:spcBef>
+                <a:spcPts val="0"/>
+              </a:spcBef>
+              <a:spcAft>
+                <a:spcPts val="0"/>
+              </a:spcAft>
+              <a:buNone/>
+            </a:pPr>
+            <a:r>
+              <a:rPr b="1" lang="ru" sz="2000">
+                <a:solidFill>
+                  <a:srgbClr val="008000"/>
+                </a:solidFill>
+                <a:highlight>
+                  <a:srgbClr val="F7F7F7"/>
+                </a:highlight>
+                <a:latin typeface="Times New Roman"/>
+                <a:ea typeface="Times New Roman"/>
+                <a:cs typeface="Times New Roman"/>
+                <a:sym typeface="Times New Roman"/>
+              </a:rPr>
+              <a:t>heatmap (тепловая карта)</a:t>
+            </a:r>
+            <a:endParaRPr b="1" sz="2000">
+              <a:solidFill>
+                <a:srgbClr val="008000"/>
+              </a:solidFill>
+              <a:highlight>
+                <a:srgbClr val="F7F7F7"/>
+              </a:highlight>
+              <a:latin typeface="Times New Roman"/>
+              <a:ea typeface="Times New Roman"/>
+              <a:cs typeface="Times New Roman"/>
+              <a:sym typeface="Times New Roman"/>
+            </a:endParaRPr>
+          </a:p>
+          <a:p>
+            <a:pPr indent="0" lvl="0" marL="0" rtl="0" algn="l">
               <a:spcBef>
                 <a:spcPts val="0"/>
               </a:spcBef>
@@ -12647,7 +14574,7 @@
       </p:sp>
       <p:sp>
         <p:nvSpPr>
-          <p:cNvPr id="142" name="Google Shape;142;p15"/>
+          <p:cNvPr id="144" name="Google Shape;144;p15"/>
           <p:cNvSpPr txBox="1"/>
           <p:nvPr>
             <p:ph idx="1" type="body"/>
@@ -12686,7 +14613,7 @@
       </p:sp>
       <p:pic>
         <p:nvPicPr>
-          <p:cNvPr id="143" name="Google Shape;143;p15"/>
+          <p:cNvPr id="145" name="Google Shape;145;p15"/>
           <p:cNvPicPr preferRelativeResize="0"/>
           <p:nvPr/>
         </p:nvPicPr>
@@ -12700,8 +14627,8 @@
         </p:blipFill>
         <p:spPr>
           <a:xfrm>
-            <a:off x="215050" y="201175"/>
-            <a:ext cx="8713901" cy="4718300"/>
+            <a:off x="819150" y="829825"/>
+            <a:ext cx="7505701" cy="4087350"/>
           </a:xfrm>
           <a:prstGeom prst="rect">
             <a:avLst/>
@@ -12737,7 +14664,7 @@
   <p:cSld>
     <p:spTree>
       <p:nvGrpSpPr>
-        <p:cNvPr id="147" name="Shape 147"/>
+        <p:cNvPr id="149" name="Shape 149"/>
         <p:cNvGrpSpPr/>
         <p:nvPr/>
       </p:nvGrpSpPr>
@@ -12751,16 +14678,16 @@
       </p:grpSpPr>
       <p:sp>
         <p:nvSpPr>
-          <p:cNvPr id="148" name="Google Shape;148;p16"/>
+          <p:cNvPr id="150" name="Google Shape;150;p16"/>
           <p:cNvSpPr txBox="1"/>
           <p:nvPr>
             <p:ph type="title"/>
           </p:nvPr>
         </p:nvSpPr>
         <p:spPr>
-          <a:xfrm flipH="1" rot="10800000">
-            <a:off x="819150" y="530175"/>
-            <a:ext cx="7505700" cy="617400"/>
+          <a:xfrm>
+            <a:off x="819150" y="201175"/>
+            <a:ext cx="7505700" cy="480000"/>
           </a:xfrm>
           <a:prstGeom prst="rect">
             <a:avLst/>
@@ -12773,6 +14700,9 @@
           <a:lstStyle/>
           <a:p>
             <a:pPr indent="0" lvl="0" marL="0" rtl="0" algn="l">
+              <a:lnSpc>
+                <a:spcPct val="135714"/>
+              </a:lnSpc>
               <a:spcBef>
                 <a:spcPts val="0"/>
               </a:spcBef>
@@ -12790,7 +14720,7 @@
       </p:sp>
       <p:sp>
         <p:nvSpPr>
-          <p:cNvPr id="149" name="Google Shape;149;p16"/>
+          <p:cNvPr id="151" name="Google Shape;151;p16"/>
           <p:cNvSpPr txBox="1"/>
           <p:nvPr>
             <p:ph idx="1" type="body"/>
@@ -12798,8 +14728,8 @@
         </p:nvSpPr>
         <p:spPr>
           <a:xfrm>
-            <a:off x="585225" y="347475"/>
-            <a:ext cx="7739700" cy="4091400"/>
+            <a:off x="819150" y="1444750"/>
+            <a:ext cx="7505700" cy="2994000"/>
           </a:xfrm>
           <a:prstGeom prst="rect">
             <a:avLst/>
@@ -12829,7 +14759,7 @@
       </p:sp>
       <p:pic>
         <p:nvPicPr>
-          <p:cNvPr id="150" name="Google Shape;150;p16"/>
+          <p:cNvPr id="152" name="Google Shape;152;p16"/>
           <p:cNvPicPr preferRelativeResize="0"/>
           <p:nvPr/>
         </p:nvPicPr>
@@ -12843,8 +14773,8 @@
         </p:blipFill>
         <p:spPr>
           <a:xfrm>
-            <a:off x="205725" y="221750"/>
-            <a:ext cx="8734825" cy="4743574"/>
+            <a:off x="215050" y="201175"/>
+            <a:ext cx="8713901" cy="4718300"/>
           </a:xfrm>
           <a:prstGeom prst="rect">
             <a:avLst/>
@@ -12880,7 +14810,7 @@
   <p:cSld>
     <p:spTree>
       <p:nvGrpSpPr>
-        <p:cNvPr id="154" name="Shape 154"/>
+        <p:cNvPr id="156" name="Shape 156"/>
         <p:cNvGrpSpPr/>
         <p:nvPr/>
       </p:nvGrpSpPr>
@@ -12894,7 +14824,7 @@
       </p:grpSpPr>
       <p:sp>
         <p:nvSpPr>
-          <p:cNvPr id="155" name="Google Shape;155;p17"/>
+          <p:cNvPr id="157" name="Google Shape;157;p17"/>
           <p:cNvSpPr txBox="1"/>
           <p:nvPr>
             <p:ph type="title"/>
@@ -12933,7 +14863,7 @@
       </p:sp>
       <p:sp>
         <p:nvSpPr>
-          <p:cNvPr id="156" name="Google Shape;156;p17"/>
+          <p:cNvPr id="158" name="Google Shape;158;p17"/>
           <p:cNvSpPr txBox="1"/>
           <p:nvPr>
             <p:ph idx="1" type="body"/>
@@ -12972,7 +14902,7 @@
       </p:sp>
       <p:pic>
         <p:nvPicPr>
-          <p:cNvPr id="157" name="Google Shape;157;p17"/>
+          <p:cNvPr id="159" name="Google Shape;159;p17"/>
           <p:cNvPicPr preferRelativeResize="0"/>
           <p:nvPr/>
         </p:nvPicPr>
@@ -12986,8 +14916,8 @@
         </p:blipFill>
         <p:spPr>
           <a:xfrm>
-            <a:off x="196600" y="198875"/>
-            <a:ext cx="8743949" cy="4720600"/>
+            <a:off x="205725" y="221750"/>
+            <a:ext cx="8734825" cy="4743574"/>
           </a:xfrm>
           <a:prstGeom prst="rect">
             <a:avLst/>
@@ -13023,7 +14953,7 @@
   <p:cSld>
     <p:spTree>
       <p:nvGrpSpPr>
-        <p:cNvPr id="161" name="Shape 161"/>
+        <p:cNvPr id="163" name="Shape 163"/>
         <p:cNvGrpSpPr/>
         <p:nvPr/>
       </p:nvGrpSpPr>
@@ -13037,7 +14967,7 @@
       </p:grpSpPr>
       <p:sp>
         <p:nvSpPr>
-          <p:cNvPr id="162" name="Google Shape;162;p18"/>
+          <p:cNvPr id="164" name="Google Shape;164;p18"/>
           <p:cNvSpPr txBox="1"/>
           <p:nvPr>
             <p:ph type="title"/>
@@ -13076,7 +15006,7 @@
       </p:sp>
       <p:sp>
         <p:nvSpPr>
-          <p:cNvPr id="163" name="Google Shape;163;p18"/>
+          <p:cNvPr id="165" name="Google Shape;165;p18"/>
           <p:cNvSpPr txBox="1"/>
           <p:nvPr>
             <p:ph idx="1" type="body"/>
@@ -13115,21 +15045,22 @@
       </p:sp>
       <p:pic>
         <p:nvPicPr>
-          <p:cNvPr id="164" name="Google Shape;164;p18"/>
+          <p:cNvPr id="166" name="Google Shape;166;p18"/>
           <p:cNvPicPr preferRelativeResize="0"/>
           <p:nvPr/>
         </p:nvPicPr>
-        <p:blipFill rotWithShape="1">
+        <p:blipFill>
           <a:blip r:embed="rId3">
             <a:alphaModFix/>
           </a:blip>
-          <a:srcRect b="0" l="0" r="0" t="0"/>
-          <a:stretch/>
+          <a:stretch>
+            <a:fillRect/>
+          </a:stretch>
         </p:blipFill>
         <p:spPr>
           <a:xfrm>
-            <a:off x="196600" y="210300"/>
-            <a:ext cx="8766424" cy="4732025"/>
+            <a:off x="196600" y="198875"/>
+            <a:ext cx="8743949" cy="4720600"/>
           </a:xfrm>
           <a:prstGeom prst="rect">
             <a:avLst/>
@@ -13165,7 +15096,7 @@
   <p:cSld>
     <p:spTree>
       <p:nvGrpSpPr>
-        <p:cNvPr id="168" name="Shape 168"/>
+        <p:cNvPr id="170" name="Shape 170"/>
         <p:cNvGrpSpPr/>
         <p:nvPr/>
       </p:nvGrpSpPr>
@@ -13179,7 +15110,149 @@
       </p:grpSpPr>
       <p:sp>
         <p:nvSpPr>
-          <p:cNvPr id="169" name="Google Shape;169;p19"/>
+          <p:cNvPr id="171" name="Google Shape;171;p19"/>
+          <p:cNvSpPr txBox="1"/>
+          <p:nvPr>
+            <p:ph type="title"/>
+          </p:nvPr>
+        </p:nvSpPr>
+        <p:spPr>
+          <a:xfrm flipH="1" rot="10800000">
+            <a:off x="819150" y="530175"/>
+            <a:ext cx="7505700" cy="617400"/>
+          </a:xfrm>
+          <a:prstGeom prst="rect">
+            <a:avLst/>
+          </a:prstGeom>
+        </p:spPr>
+        <p:txBody>
+          <a:bodyPr anchorCtr="0" anchor="t" bIns="91425" lIns="91425" spcFirstLastPara="1" rIns="91425" wrap="square" tIns="91425">
+            <a:normAutofit fontScale="90000"/>
+          </a:bodyPr>
+          <a:lstStyle/>
+          <a:p>
+            <a:pPr indent="0" lvl="0" marL="0" rtl="0" algn="l">
+              <a:spcBef>
+                <a:spcPts val="0"/>
+              </a:spcBef>
+              <a:spcAft>
+                <a:spcPts val="0"/>
+              </a:spcAft>
+              <a:buNone/>
+            </a:pPr>
+            <a:r>
+              <a:t/>
+            </a:r>
+            <a:endParaRPr/>
+          </a:p>
+        </p:txBody>
+      </p:sp>
+      <p:sp>
+        <p:nvSpPr>
+          <p:cNvPr id="172" name="Google Shape;172;p19"/>
+          <p:cNvSpPr txBox="1"/>
+          <p:nvPr>
+            <p:ph idx="1" type="body"/>
+          </p:nvPr>
+        </p:nvSpPr>
+        <p:spPr>
+          <a:xfrm>
+            <a:off x="585225" y="347475"/>
+            <a:ext cx="7739700" cy="4091400"/>
+          </a:xfrm>
+          <a:prstGeom prst="rect">
+            <a:avLst/>
+          </a:prstGeom>
+        </p:spPr>
+        <p:txBody>
+          <a:bodyPr anchorCtr="0" anchor="t" bIns="91425" lIns="91425" spcFirstLastPara="1" rIns="91425" wrap="square" tIns="91425">
+            <a:normAutofit/>
+          </a:bodyPr>
+          <a:lstStyle/>
+          <a:p>
+            <a:pPr indent="0" lvl="0" marL="0" rtl="0" algn="l">
+              <a:spcBef>
+                <a:spcPts val="0"/>
+              </a:spcBef>
+              <a:spcAft>
+                <a:spcPts val="1200"/>
+              </a:spcAft>
+              <a:buNone/>
+            </a:pPr>
+            <a:r>
+              <a:t/>
+            </a:r>
+            <a:endParaRPr/>
+          </a:p>
+        </p:txBody>
+      </p:sp>
+      <p:pic>
+        <p:nvPicPr>
+          <p:cNvPr id="173" name="Google Shape;173;p19"/>
+          <p:cNvPicPr preferRelativeResize="0"/>
+          <p:nvPr/>
+        </p:nvPicPr>
+        <p:blipFill rotWithShape="1">
+          <a:blip r:embed="rId3">
+            <a:alphaModFix/>
+          </a:blip>
+          <a:srcRect b="0" l="0" r="0" t="0"/>
+          <a:stretch/>
+        </p:blipFill>
+        <p:spPr>
+          <a:xfrm>
+            <a:off x="196600" y="210300"/>
+            <a:ext cx="8766424" cy="4732025"/>
+          </a:xfrm>
+          <a:prstGeom prst="rect">
+            <a:avLst/>
+          </a:prstGeom>
+          <a:noFill/>
+          <a:ln>
+            <a:noFill/>
+          </a:ln>
+        </p:spPr>
+      </p:pic>
+    </p:spTree>
+  </p:cSld>
+  <p:clrMapOvr>
+    <a:masterClrMapping/>
+  </p:clrMapOvr>
+  <mc:AlternateContent>
+    <mc:Choice Requires="p14">
+      <p:transition spd="med">
+        <p14:flip dir="l"/>
+      </p:transition>
+    </mc:Choice>
+    <mc:Fallback>
+      <p:transition spd="med">
+        <p:fade/>
+      </p:transition>
+    </mc:Fallback>
+  </mc:AlternateContent>
+</p:sld>
+</file>
+
+<file path=ppt/slides/slide8.xml><?xml version="1.0" encoding="utf-8"?>
+<p:sld xmlns:a="http://schemas.openxmlformats.org/drawingml/2006/main" xmlns:r="http://schemas.openxmlformats.org/officeDocument/2006/relationships" xmlns:mc="http://schemas.openxmlformats.org/markup-compatibility/2006" xmlns:mv="urn:schemas-microsoft-com:mac:vml" xmlns:p="http://schemas.openxmlformats.org/presentationml/2006/main" xmlns:c="http://schemas.openxmlformats.org/drawingml/2006/chart" xmlns:dgm="http://schemas.openxmlformats.org/drawingml/2006/diagram" xmlns:o="urn:schemas-microsoft-com:office:office" xmlns:v="urn:schemas-microsoft-com:vml" xmlns:pvml="urn:schemas-microsoft-com:office:powerpoint" xmlns:com="http://schemas.openxmlformats.org/drawingml/2006/compatibility" xmlns:p14="http://schemas.microsoft.com/office/powerpoint/2010/main" xmlns:p15="http://schemas.microsoft.com/office/powerpoint/2012/main" xmlns:ahyp="http://schemas.microsoft.com/office/drawing/2018/hyperlinkcolor">
+  <p:cSld>
+    <p:spTree>
+      <p:nvGrpSpPr>
+        <p:cNvPr id="177" name="Shape 177"/>
+        <p:cNvGrpSpPr/>
+        <p:nvPr/>
+      </p:nvGrpSpPr>
+      <p:grpSpPr>
+        <a:xfrm>
+          <a:off x="0" y="0"/>
+          <a:ext cx="0" cy="0"/>
+          <a:chOff x="0" y="0"/>
+          <a:chExt cx="0" cy="0"/>
+        </a:xfrm>
+      </p:grpSpPr>
+      <p:sp>
+        <p:nvSpPr>
+          <p:cNvPr id="178" name="Google Shape;178;p20"/>
           <p:cNvSpPr txBox="1"/>
           <p:nvPr>
             <p:ph type="title"/>
@@ -13262,7 +15335,7 @@
       </p:sp>
       <p:sp>
         <p:nvSpPr>
-          <p:cNvPr id="170" name="Google Shape;170;p19"/>
+          <p:cNvPr id="179" name="Google Shape;179;p20"/>
           <p:cNvSpPr txBox="1"/>
           <p:nvPr>
             <p:ph idx="1" type="body"/>
@@ -13301,7 +15374,7 @@
       </p:sp>
       <p:pic>
         <p:nvPicPr>
-          <p:cNvPr id="171" name="Google Shape;171;p19"/>
+          <p:cNvPr id="180" name="Google Shape;180;p20"/>
           <p:cNvPicPr preferRelativeResize="0"/>
           <p:nvPr/>
         </p:nvPicPr>
@@ -13317,164 +15390,6 @@
           <a:xfrm>
             <a:off x="186625" y="1078975"/>
             <a:ext cx="8753925" cy="3850849"/>
-          </a:xfrm>
-          <a:prstGeom prst="rect">
-            <a:avLst/>
-          </a:prstGeom>
-          <a:noFill/>
-          <a:ln>
-            <a:noFill/>
-          </a:ln>
-        </p:spPr>
-      </p:pic>
-    </p:spTree>
-  </p:cSld>
-  <p:clrMapOvr>
-    <a:masterClrMapping/>
-  </p:clrMapOvr>
-  <mc:AlternateContent>
-    <mc:Choice Requires="p14">
-      <p:transition spd="med">
-        <p14:flip dir="l"/>
-      </p:transition>
-    </mc:Choice>
-    <mc:Fallback>
-      <p:transition spd="med">
-        <p:fade/>
-      </p:transition>
-    </mc:Fallback>
-  </mc:AlternateContent>
-</p:sld>
-</file>
-
-<file path=ppt/slides/slide8.xml><?xml version="1.0" encoding="utf-8"?>
-<p:sld xmlns:a="http://schemas.openxmlformats.org/drawingml/2006/main" xmlns:r="http://schemas.openxmlformats.org/officeDocument/2006/relationships" xmlns:mc="http://schemas.openxmlformats.org/markup-compatibility/2006" xmlns:mv="urn:schemas-microsoft-com:mac:vml" xmlns:p="http://schemas.openxmlformats.org/presentationml/2006/main" xmlns:c="http://schemas.openxmlformats.org/drawingml/2006/chart" xmlns:dgm="http://schemas.openxmlformats.org/drawingml/2006/diagram" xmlns:o="urn:schemas-microsoft-com:office:office" xmlns:v="urn:schemas-microsoft-com:vml" xmlns:pvml="urn:schemas-microsoft-com:office:powerpoint" xmlns:com="http://schemas.openxmlformats.org/drawingml/2006/compatibility" xmlns:p14="http://schemas.microsoft.com/office/powerpoint/2010/main" xmlns:p15="http://schemas.microsoft.com/office/powerpoint/2012/main" xmlns:ahyp="http://schemas.microsoft.com/office/drawing/2018/hyperlinkcolor">
-  <p:cSld>
-    <p:spTree>
-      <p:nvGrpSpPr>
-        <p:cNvPr id="175" name="Shape 175"/>
-        <p:cNvGrpSpPr/>
-        <p:nvPr/>
-      </p:nvGrpSpPr>
-      <p:grpSpPr>
-        <a:xfrm>
-          <a:off x="0" y="0"/>
-          <a:ext cx="0" cy="0"/>
-          <a:chOff x="0" y="0"/>
-          <a:chExt cx="0" cy="0"/>
-        </a:xfrm>
-      </p:grpSpPr>
-      <p:sp>
-        <p:nvSpPr>
-          <p:cNvPr id="176" name="Google Shape;176;p20"/>
-          <p:cNvSpPr txBox="1"/>
-          <p:nvPr>
-            <p:ph type="title"/>
-          </p:nvPr>
-        </p:nvSpPr>
-        <p:spPr>
-          <a:xfrm>
-            <a:off x="819150" y="201175"/>
-            <a:ext cx="7675500" cy="523500"/>
-          </a:xfrm>
-          <a:prstGeom prst="rect">
-            <a:avLst/>
-          </a:prstGeom>
-        </p:spPr>
-        <p:txBody>
-          <a:bodyPr anchorCtr="0" anchor="t" bIns="91425" lIns="91425" spcFirstLastPara="1" rIns="91425" wrap="square" tIns="91425">
-            <a:normAutofit/>
-          </a:bodyPr>
-          <a:lstStyle/>
-          <a:p>
-            <a:pPr indent="0" lvl="0" marL="0" rtl="0" algn="ctr">
-              <a:lnSpc>
-                <a:spcPct val="135714"/>
-              </a:lnSpc>
-              <a:spcBef>
-                <a:spcPts val="0"/>
-              </a:spcBef>
-              <a:spcAft>
-                <a:spcPts val="0"/>
-              </a:spcAft>
-              <a:buNone/>
-            </a:pPr>
-            <a:r>
-              <a:rPr b="1" lang="ru" sz="2050">
-                <a:solidFill>
-                  <a:srgbClr val="008000"/>
-                </a:solidFill>
-                <a:highlight>
-                  <a:srgbClr val="F7F7F7"/>
-                </a:highlight>
-                <a:latin typeface="Courier New"/>
-                <a:ea typeface="Courier New"/>
-                <a:cs typeface="Courier New"/>
-                <a:sym typeface="Courier New"/>
-              </a:rPr>
-              <a:t>корреляция с колонкой 'label'</a:t>
-            </a:r>
-            <a:endParaRPr/>
-          </a:p>
-        </p:txBody>
-      </p:sp>
-      <p:sp>
-        <p:nvSpPr>
-          <p:cNvPr id="177" name="Google Shape;177;p20"/>
-          <p:cNvSpPr txBox="1"/>
-          <p:nvPr>
-            <p:ph idx="1" type="body"/>
-          </p:nvPr>
-        </p:nvSpPr>
-        <p:spPr>
-          <a:xfrm>
-            <a:off x="819150" y="1444750"/>
-            <a:ext cx="7505700" cy="2994000"/>
-          </a:xfrm>
-          <a:prstGeom prst="rect">
-            <a:avLst/>
-          </a:prstGeom>
-        </p:spPr>
-        <p:txBody>
-          <a:bodyPr anchorCtr="0" anchor="t" bIns="91425" lIns="91425" spcFirstLastPara="1" rIns="91425" wrap="square" tIns="91425">
-            <a:normAutofit/>
-          </a:bodyPr>
-          <a:lstStyle/>
-          <a:p>
-            <a:pPr indent="0" lvl="0" marL="0" rtl="0" algn="l">
-              <a:spcBef>
-                <a:spcPts val="0"/>
-              </a:spcBef>
-              <a:spcAft>
-                <a:spcPts val="1200"/>
-              </a:spcAft>
-              <a:buNone/>
-            </a:pPr>
-            <a:r>
-              <a:t/>
-            </a:r>
-            <a:endParaRPr/>
-          </a:p>
-        </p:txBody>
-      </p:sp>
-      <p:pic>
-        <p:nvPicPr>
-          <p:cNvPr id="178" name="Google Shape;178;p20"/>
-          <p:cNvPicPr preferRelativeResize="0"/>
-          <p:nvPr/>
-        </p:nvPicPr>
-        <p:blipFill>
-          <a:blip r:embed="rId3">
-            <a:alphaModFix/>
-          </a:blip>
-          <a:stretch>
-            <a:fillRect/>
-          </a:stretch>
-        </p:blipFill>
-        <p:spPr>
-          <a:xfrm>
-            <a:off x="608075" y="656075"/>
-            <a:ext cx="7943849" cy="4274825"/>
           </a:xfrm>
           <a:prstGeom prst="rect">
             <a:avLst/>
@@ -13510,7 +15425,7 @@
   <p:cSld>
     <p:spTree>
       <p:nvGrpSpPr>
-        <p:cNvPr id="182" name="Shape 182"/>
+        <p:cNvPr id="184" name="Shape 184"/>
         <p:cNvGrpSpPr/>
         <p:nvPr/>
       </p:nvGrpSpPr>
@@ -13524,7 +15439,7 @@
       </p:grpSpPr>
       <p:sp>
         <p:nvSpPr>
-          <p:cNvPr id="183" name="Google Shape;183;p21"/>
+          <p:cNvPr id="185" name="Google Shape;185;p21"/>
           <p:cNvSpPr txBox="1"/>
           <p:nvPr>
             <p:ph type="title"/>
@@ -13541,7 +15456,7 @@
         </p:spPr>
         <p:txBody>
           <a:bodyPr anchorCtr="0" anchor="t" bIns="91425" lIns="91425" spcFirstLastPara="1" rIns="91425" wrap="square" tIns="91425">
-            <a:normAutofit fontScale="90000"/>
+            <a:normAutofit/>
           </a:bodyPr>
           <a:lstStyle/>
           <a:p>
@@ -13570,55 +15485,15 @@
                 <a:cs typeface="Courier New"/>
                 <a:sym typeface="Courier New"/>
               </a:rPr>
-              <a:t>распределение средней частоты для 'meanfun'</a:t>
+              <a:t>корреляция с колонкой 'label'</a:t>
             </a:r>
-            <a:endParaRPr b="1" sz="2050">
-              <a:solidFill>
-                <a:srgbClr val="008000"/>
-              </a:solidFill>
-              <a:highlight>
-                <a:srgbClr val="F7F7F7"/>
-              </a:highlight>
-              <a:latin typeface="Courier New"/>
-              <a:ea typeface="Courier New"/>
-              <a:cs typeface="Courier New"/>
-              <a:sym typeface="Courier New"/>
-            </a:endParaRPr>
-          </a:p>
-          <a:p>
-            <a:pPr indent="0" lvl="0" marL="0" rtl="0" algn="ctr">
-              <a:lnSpc>
-                <a:spcPct val="135714"/>
-              </a:lnSpc>
-              <a:spcBef>
-                <a:spcPts val="0"/>
-              </a:spcBef>
-              <a:spcAft>
-                <a:spcPts val="0"/>
-              </a:spcAft>
-              <a:buNone/>
-            </a:pPr>
-            <a:r>
-              <a:t/>
-            </a:r>
-            <a:endParaRPr b="1" sz="2050">
-              <a:solidFill>
-                <a:srgbClr val="008000"/>
-              </a:solidFill>
-              <a:highlight>
-                <a:srgbClr val="F7F7F7"/>
-              </a:highlight>
-              <a:latin typeface="Courier New"/>
-              <a:ea typeface="Courier New"/>
-              <a:cs typeface="Courier New"/>
-              <a:sym typeface="Courier New"/>
-            </a:endParaRPr>
+            <a:endParaRPr/>
           </a:p>
         </p:txBody>
       </p:sp>
       <p:sp>
         <p:nvSpPr>
-          <p:cNvPr id="184" name="Google Shape;184;p21"/>
+          <p:cNvPr id="186" name="Google Shape;186;p21"/>
           <p:cNvSpPr txBox="1"/>
           <p:nvPr>
             <p:ph idx="1" type="body"/>
@@ -13657,7 +15532,7 @@
       </p:sp>
       <p:pic>
         <p:nvPicPr>
-          <p:cNvPr id="185" name="Google Shape;185;p21"/>
+          <p:cNvPr id="187" name="Google Shape;187;p21"/>
           <p:cNvPicPr preferRelativeResize="0"/>
           <p:nvPr/>
         </p:nvPicPr>
@@ -13671,8 +15546,8 @@
         </p:blipFill>
         <p:spPr>
           <a:xfrm>
-            <a:off x="196600" y="724675"/>
-            <a:ext cx="8709650" cy="4217650"/>
+            <a:off x="608075" y="656075"/>
+            <a:ext cx="7943849" cy="4274825"/>
           </a:xfrm>
           <a:prstGeom prst="rect">
             <a:avLst/>
@@ -13704,6 +15579,285 @@
 </file>
 
 <file path=ppt/theme/theme1.xml><?xml version="1.0" encoding="utf-8"?>
+<a:theme xmlns:a="http://schemas.openxmlformats.org/drawingml/2006/main" xmlns:r="http://schemas.openxmlformats.org/officeDocument/2006/relationships" name="Shift">
+  <a:themeElements>
+    <a:clrScheme name="Shift">
+      <a:dk1>
+        <a:srgbClr val="FFFFFF"/>
+      </a:dk1>
+      <a:lt1>
+        <a:srgbClr val="AF7B51"/>
+      </a:lt1>
+      <a:dk2>
+        <a:srgbClr val="233A44"/>
+      </a:dk2>
+      <a:lt2>
+        <a:srgbClr val="D9D9D9"/>
+      </a:lt2>
+      <a:accent1>
+        <a:srgbClr val="00796B"/>
+      </a:accent1>
+      <a:accent2>
+        <a:srgbClr val="D9563F"/>
+      </a:accent2>
+      <a:accent3>
+        <a:srgbClr val="C4A15A"/>
+      </a:accent3>
+      <a:accent4>
+        <a:srgbClr val="14F597"/>
+      </a:accent4>
+      <a:accent5>
+        <a:srgbClr val="3D4594"/>
+      </a:accent5>
+      <a:accent6>
+        <a:srgbClr val="163EF5"/>
+      </a:accent6>
+      <a:hlink>
+        <a:srgbClr val="3D4594"/>
+      </a:hlink>
+      <a:folHlink>
+        <a:srgbClr val="3D4594"/>
+      </a:folHlink>
+    </a:clrScheme>
+    <a:fontScheme name="Office">
+      <a:majorFont>
+        <a:latin typeface="Arial"/>
+        <a:ea typeface=""/>
+        <a:cs typeface=""/>
+        <a:font script="Jpan" typeface="ＭＳ Ｐゴシック"/>
+        <a:font script="Hang" typeface="맑은 고딕"/>
+        <a:font script="Hans" typeface="宋体"/>
+        <a:font script="Hant" typeface="新細明體"/>
+        <a:font script="Arab" typeface="Times New Roman"/>
+        <a:font script="Hebr" typeface="Times New Roman"/>
+        <a:font script="Thai" typeface="Angsana New"/>
+        <a:font script="Ethi" typeface="Nyala"/>
+        <a:font script="Beng" typeface="Vrinda"/>
+        <a:font script="Gujr" typeface="Shruti"/>
+        <a:font script="Khmr" typeface="MoolBoran"/>
+        <a:font script="Knda" typeface="Tunga"/>
+        <a:font script="Guru" typeface="Raavi"/>
+        <a:font script="Cans" typeface="Euphemia"/>
+        <a:font script="Cher" typeface="Plantagenet Cherokee"/>
+        <a:font script="Yiii" typeface="Microsoft Yi Baiti"/>
+        <a:font script="Tibt" typeface="Microsoft Himalaya"/>
+        <a:font script="Thaa" typeface="MV Boli"/>
+        <a:font script="Deva" typeface="Mangal"/>
+        <a:font script="Telu" typeface="Gautami"/>
+        <a:font script="Taml" typeface="Latha"/>
+        <a:font script="Syrc" typeface="Estrangelo Edessa"/>
+        <a:font script="Orya" typeface="Kalinga"/>
+        <a:font script="Mlym" typeface="Kartika"/>
+        <a:font script="Laoo" typeface="DokChampa"/>
+        <a:font script="Sinh" typeface="Iskoola Pota"/>
+        <a:font script="Mong" typeface="Mongolian Baiti"/>
+        <a:font script="Viet" typeface="Times New Roman"/>
+        <a:font script="Uigh" typeface="Microsoft Uighur"/>
+        <a:font script="Geor" typeface="Sylfaen"/>
+      </a:majorFont>
+      <a:minorFont>
+        <a:latin typeface="Arial"/>
+        <a:ea typeface=""/>
+        <a:cs typeface=""/>
+        <a:font script="Jpan" typeface="ＭＳ Ｐゴシック"/>
+        <a:font script="Hang" typeface="맑은 고딕"/>
+        <a:font script="Hans" typeface="宋体"/>
+        <a:font script="Hant" typeface="新細明體"/>
+        <a:font script="Arab" typeface="Arial"/>
+        <a:font script="Hebr" typeface="Arial"/>
+        <a:font script="Thai" typeface="Cordia New"/>
+        <a:font script="Ethi" typeface="Nyala"/>
+        <a:font script="Beng" typeface="Vrinda"/>
+        <a:font script="Gujr" typeface="Shruti"/>
+        <a:font script="Khmr" typeface="DaunPenh"/>
+        <a:font script="Knda" typeface="Tunga"/>
+        <a:font script="Guru" typeface="Raavi"/>
+        <a:font script="Cans" typeface="Euphemia"/>
+        <a:font script="Cher" typeface="Plantagenet Cherokee"/>
+        <a:font script="Yiii" typeface="Microsoft Yi Baiti"/>
+        <a:font script="Tibt" typeface="Microsoft Himalaya"/>
+        <a:font script="Thaa" typeface="MV Boli"/>
+        <a:font script="Deva" typeface="Mangal"/>
+        <a:font script="Telu" typeface="Gautami"/>
+        <a:font script="Taml" typeface="Latha"/>
+        <a:font script="Syrc" typeface="Estrangelo Edessa"/>
+        <a:font script="Orya" typeface="Kalinga"/>
+        <a:font script="Mlym" typeface="Kartika"/>
+        <a:font script="Laoo" typeface="DokChampa"/>
+        <a:font script="Sinh" typeface="Iskoola Pota"/>
+        <a:font script="Mong" typeface="Mongolian Baiti"/>
+        <a:font script="Viet" typeface="Arial"/>
+        <a:font script="Uigh" typeface="Microsoft Uighur"/>
+        <a:font script="Geor" typeface="Sylfaen"/>
+      </a:minorFont>
+    </a:fontScheme>
+    <a:fmtScheme name="Office">
+      <a:fillStyleLst>
+        <a:solidFill>
+          <a:schemeClr val="phClr"/>
+        </a:solidFill>
+        <a:gradFill rotWithShape="1">
+          <a:gsLst>
+            <a:gs pos="0">
+              <a:schemeClr val="phClr">
+                <a:tint val="50000"/>
+                <a:satMod val="300000"/>
+              </a:schemeClr>
+            </a:gs>
+            <a:gs pos="35000">
+              <a:schemeClr val="phClr">
+                <a:tint val="37000"/>
+                <a:satMod val="300000"/>
+              </a:schemeClr>
+            </a:gs>
+            <a:gs pos="100000">
+              <a:schemeClr val="phClr">
+                <a:tint val="15000"/>
+                <a:satMod val="350000"/>
+              </a:schemeClr>
+            </a:gs>
+          </a:gsLst>
+          <a:lin ang="16200000" scaled="1"/>
+        </a:gradFill>
+        <a:gradFill rotWithShape="1">
+          <a:gsLst>
+            <a:gs pos="0">
+              <a:schemeClr val="phClr">
+                <a:tint val="100000"/>
+                <a:shade val="100000"/>
+                <a:satMod val="130000"/>
+              </a:schemeClr>
+            </a:gs>
+            <a:gs pos="100000">
+              <a:schemeClr val="phClr">
+                <a:tint val="50000"/>
+                <a:shade val="100000"/>
+                <a:satMod val="350000"/>
+              </a:schemeClr>
+            </a:gs>
+          </a:gsLst>
+          <a:lin ang="16200000" scaled="0"/>
+        </a:gradFill>
+      </a:fillStyleLst>
+      <a:lnStyleLst>
+        <a:ln w="9525" cap="flat" cmpd="sng" algn="ctr">
+          <a:solidFill>
+            <a:schemeClr val="phClr">
+              <a:shade val="95000"/>
+              <a:satMod val="105000"/>
+            </a:schemeClr>
+          </a:solidFill>
+          <a:prstDash val="solid"/>
+        </a:ln>
+        <a:ln w="25400" cap="flat" cmpd="sng" algn="ctr">
+          <a:solidFill>
+            <a:schemeClr val="phClr"/>
+          </a:solidFill>
+          <a:prstDash val="solid"/>
+        </a:ln>
+        <a:ln w="38100" cap="flat" cmpd="sng" algn="ctr">
+          <a:solidFill>
+            <a:schemeClr val="phClr"/>
+          </a:solidFill>
+          <a:prstDash val="solid"/>
+        </a:ln>
+      </a:lnStyleLst>
+      <a:effectStyleLst>
+        <a:effectStyle>
+          <a:effectLst>
+            <a:outerShdw blurRad="40000" dist="20000" dir="5400000" rotWithShape="0">
+              <a:srgbClr val="000000">
+                <a:alpha val="38000"/>
+              </a:srgbClr>
+            </a:outerShdw>
+          </a:effectLst>
+        </a:effectStyle>
+        <a:effectStyle>
+          <a:effectLst>
+            <a:outerShdw blurRad="40000" dist="23000" dir="5400000" rotWithShape="0">
+              <a:srgbClr val="000000">
+                <a:alpha val="35000"/>
+              </a:srgbClr>
+            </a:outerShdw>
+          </a:effectLst>
+        </a:effectStyle>
+        <a:effectStyle>
+          <a:effectLst>
+            <a:outerShdw blurRad="40000" dist="23000" dir="5400000" rotWithShape="0">
+              <a:srgbClr val="000000">
+                <a:alpha val="35000"/>
+              </a:srgbClr>
+            </a:outerShdw>
+          </a:effectLst>
+          <a:scene3d>
+            <a:camera prst="orthographicFront">
+              <a:rot lat="0" lon="0" rev="0"/>
+            </a:camera>
+            <a:lightRig rig="threePt" dir="t">
+              <a:rot lat="0" lon="0" rev="1200000"/>
+            </a:lightRig>
+          </a:scene3d>
+          <a:sp3d>
+            <a:bevelT w="63500" h="25400"/>
+          </a:sp3d>
+        </a:effectStyle>
+      </a:effectStyleLst>
+      <a:bgFillStyleLst>
+        <a:solidFill>
+          <a:schemeClr val="phClr"/>
+        </a:solidFill>
+        <a:gradFill rotWithShape="1">
+          <a:gsLst>
+            <a:gs pos="0">
+              <a:schemeClr val="phClr">
+                <a:tint val="40000"/>
+                <a:satMod val="350000"/>
+              </a:schemeClr>
+            </a:gs>
+            <a:gs pos="40000">
+              <a:schemeClr val="phClr">
+                <a:tint val="45000"/>
+                <a:shade val="99000"/>
+                <a:satMod val="350000"/>
+              </a:schemeClr>
+            </a:gs>
+            <a:gs pos="100000">
+              <a:schemeClr val="phClr">
+                <a:shade val="20000"/>
+                <a:satMod val="255000"/>
+              </a:schemeClr>
+            </a:gs>
+          </a:gsLst>
+          <a:path path="circle">
+            <a:fillToRect l="50000" t="-80000" r="50000" b="180000"/>
+          </a:path>
+        </a:gradFill>
+        <a:gradFill rotWithShape="1">
+          <a:gsLst>
+            <a:gs pos="0">
+              <a:schemeClr val="phClr">
+                <a:tint val="80000"/>
+                <a:satMod val="300000"/>
+              </a:schemeClr>
+            </a:gs>
+            <a:gs pos="100000">
+              <a:schemeClr val="phClr">
+                <a:shade val="30000"/>
+                <a:satMod val="200000"/>
+              </a:schemeClr>
+            </a:gs>
+          </a:gsLst>
+          <a:path path="circle">
+            <a:fillToRect l="50000" t="50000" r="50000" b="50000"/>
+          </a:path>
+        </a:gradFill>
+      </a:bgFillStyleLst>
+    </a:fmtScheme>
+  </a:themeElements>
+</a:theme>
+</file>
+
+<file path=ppt/theme/theme2.xml><?xml version="1.0" encoding="utf-8"?>
 <a:theme xmlns:a="http://schemas.openxmlformats.org/drawingml/2006/main" xmlns:r="http://schemas.openxmlformats.org/officeDocument/2006/relationships">
   <a:themeElements>
     <a:clrScheme name="Default">
@@ -13980,283 +16134,4 @@
     </a:fmtScheme>
   </a:themeElements>
 </a:theme>
-</file>
-
-<file path=ppt/theme/theme2.xml><?xml version="1.0" encoding="utf-8"?>
-<a:theme xmlns:a="http://schemas.openxmlformats.org/drawingml/2006/main" xmlns:r="http://schemas.openxmlformats.org/officeDocument/2006/relationships" name="Shift">
-  <a:themeElements>
-    <a:clrScheme name="Shift">
-      <a:dk1>
-        <a:srgbClr val="FFFFFF"/>
-      </a:dk1>
-      <a:lt1>
-        <a:srgbClr val="AF7B51"/>
-      </a:lt1>
-      <a:dk2>
-        <a:srgbClr val="233A44"/>
-      </a:dk2>
-      <a:lt2>
-        <a:srgbClr val="D9D9D9"/>
-      </a:lt2>
-      <a:accent1>
-        <a:srgbClr val="00796B"/>
-      </a:accent1>
-      <a:accent2>
-        <a:srgbClr val="D9563F"/>
-      </a:accent2>
-      <a:accent3>
-        <a:srgbClr val="C4A15A"/>
-      </a:accent3>
-      <a:accent4>
-        <a:srgbClr val="14F597"/>
-      </a:accent4>
-      <a:accent5>
-        <a:srgbClr val="3D4594"/>
-      </a:accent5>
-      <a:accent6>
-        <a:srgbClr val="163EF5"/>
-      </a:accent6>
-      <a:hlink>
-        <a:srgbClr val="3D4594"/>
-      </a:hlink>
-      <a:folHlink>
-        <a:srgbClr val="3D4594"/>
-      </a:folHlink>
-    </a:clrScheme>
-    <a:fontScheme name="Office">
-      <a:majorFont>
-        <a:latin typeface="Arial"/>
-        <a:ea typeface=""/>
-        <a:cs typeface=""/>
-        <a:font script="Jpan" typeface="ＭＳ Ｐゴシック"/>
-        <a:font script="Hang" typeface="맑은 고딕"/>
-        <a:font script="Hans" typeface="宋体"/>
-        <a:font script="Hant" typeface="新細明體"/>
-        <a:font script="Arab" typeface="Times New Roman"/>
-        <a:font script="Hebr" typeface="Times New Roman"/>
-        <a:font script="Thai" typeface="Angsana New"/>
-        <a:font script="Ethi" typeface="Nyala"/>
-        <a:font script="Beng" typeface="Vrinda"/>
-        <a:font script="Gujr" typeface="Shruti"/>
-        <a:font script="Khmr" typeface="MoolBoran"/>
-        <a:font script="Knda" typeface="Tunga"/>
-        <a:font script="Guru" typeface="Raavi"/>
-        <a:font script="Cans" typeface="Euphemia"/>
-        <a:font script="Cher" typeface="Plantagenet Cherokee"/>
-        <a:font script="Yiii" typeface="Microsoft Yi Baiti"/>
-        <a:font script="Tibt" typeface="Microsoft Himalaya"/>
-        <a:font script="Thaa" typeface="MV Boli"/>
-        <a:font script="Deva" typeface="Mangal"/>
-        <a:font script="Telu" typeface="Gautami"/>
-        <a:font script="Taml" typeface="Latha"/>
-        <a:font script="Syrc" typeface="Estrangelo Edessa"/>
-        <a:font script="Orya" typeface="Kalinga"/>
-        <a:font script="Mlym" typeface="Kartika"/>
-        <a:font script="Laoo" typeface="DokChampa"/>
-        <a:font script="Sinh" typeface="Iskoola Pota"/>
-        <a:font script="Mong" typeface="Mongolian Baiti"/>
-        <a:font script="Viet" typeface="Times New Roman"/>
-        <a:font script="Uigh" typeface="Microsoft Uighur"/>
-        <a:font script="Geor" typeface="Sylfaen"/>
-      </a:majorFont>
-      <a:minorFont>
-        <a:latin typeface="Arial"/>
-        <a:ea typeface=""/>
-        <a:cs typeface=""/>
-        <a:font script="Jpan" typeface="ＭＳ Ｐゴシック"/>
-        <a:font script="Hang" typeface="맑은 고딕"/>
-        <a:font script="Hans" typeface="宋体"/>
-        <a:font script="Hant" typeface="新細明體"/>
-        <a:font script="Arab" typeface="Arial"/>
-        <a:font script="Hebr" typeface="Arial"/>
-        <a:font script="Thai" typeface="Cordia New"/>
-        <a:font script="Ethi" typeface="Nyala"/>
-        <a:font script="Beng" typeface="Vrinda"/>
-        <a:font script="Gujr" typeface="Shruti"/>
-        <a:font script="Khmr" typeface="DaunPenh"/>
-        <a:font script="Knda" typeface="Tunga"/>
-        <a:font script="Guru" typeface="Raavi"/>
-        <a:font script="Cans" typeface="Euphemia"/>
-        <a:font script="Cher" typeface="Plantagenet Cherokee"/>
-        <a:font script="Yiii" typeface="Microsoft Yi Baiti"/>
-        <a:font script="Tibt" typeface="Microsoft Himalaya"/>
-        <a:font script="Thaa" typeface="MV Boli"/>
-        <a:font script="Deva" typeface="Mangal"/>
-        <a:font script="Telu" typeface="Gautami"/>
-        <a:font script="Taml" typeface="Latha"/>
-        <a:font script="Syrc" typeface="Estrangelo Edessa"/>
-        <a:font script="Orya" typeface="Kalinga"/>
-        <a:font script="Mlym" typeface="Kartika"/>
-        <a:font script="Laoo" typeface="DokChampa"/>
-        <a:font script="Sinh" typeface="Iskoola Pota"/>
-        <a:font script="Mong" typeface="Mongolian Baiti"/>
-        <a:font script="Viet" typeface="Arial"/>
-        <a:font script="Uigh" typeface="Microsoft Uighur"/>
-        <a:font script="Geor" typeface="Sylfaen"/>
-      </a:minorFont>
-    </a:fontScheme>
-    <a:fmtScheme name="Office">
-      <a:fillStyleLst>
-        <a:solidFill>
-          <a:schemeClr val="phClr"/>
-        </a:solidFill>
-        <a:gradFill rotWithShape="1">
-          <a:gsLst>
-            <a:gs pos="0">
-              <a:schemeClr val="phClr">
-                <a:tint val="50000"/>
-                <a:satMod val="300000"/>
-              </a:schemeClr>
-            </a:gs>
-            <a:gs pos="35000">
-              <a:schemeClr val="phClr">
-                <a:tint val="37000"/>
-                <a:satMod val="300000"/>
-              </a:schemeClr>
-            </a:gs>
-            <a:gs pos="100000">
-              <a:schemeClr val="phClr">
-                <a:tint val="15000"/>
-                <a:satMod val="350000"/>
-              </a:schemeClr>
-            </a:gs>
-          </a:gsLst>
-          <a:lin ang="16200000" scaled="1"/>
-        </a:gradFill>
-        <a:gradFill rotWithShape="1">
-          <a:gsLst>
-            <a:gs pos="0">
-              <a:schemeClr val="phClr">
-                <a:tint val="100000"/>
-                <a:shade val="100000"/>
-                <a:satMod val="130000"/>
-              </a:schemeClr>
-            </a:gs>
-            <a:gs pos="100000">
-              <a:schemeClr val="phClr">
-                <a:tint val="50000"/>
-                <a:shade val="100000"/>
-                <a:satMod val="350000"/>
-              </a:schemeClr>
-            </a:gs>
-          </a:gsLst>
-          <a:lin ang="16200000" scaled="0"/>
-        </a:gradFill>
-      </a:fillStyleLst>
-      <a:lnStyleLst>
-        <a:ln w="9525" cap="flat" cmpd="sng" algn="ctr">
-          <a:solidFill>
-            <a:schemeClr val="phClr">
-              <a:shade val="95000"/>
-              <a:satMod val="105000"/>
-            </a:schemeClr>
-          </a:solidFill>
-          <a:prstDash val="solid"/>
-        </a:ln>
-        <a:ln w="25400" cap="flat" cmpd="sng" algn="ctr">
-          <a:solidFill>
-            <a:schemeClr val="phClr"/>
-          </a:solidFill>
-          <a:prstDash val="solid"/>
-        </a:ln>
-        <a:ln w="38100" cap="flat" cmpd="sng" algn="ctr">
-          <a:solidFill>
-            <a:schemeClr val="phClr"/>
-          </a:solidFill>
-          <a:prstDash val="solid"/>
-        </a:ln>
-      </a:lnStyleLst>
-      <a:effectStyleLst>
-        <a:effectStyle>
-          <a:effectLst>
-            <a:outerShdw blurRad="40000" dist="20000" dir="5400000" rotWithShape="0">
-              <a:srgbClr val="000000">
-                <a:alpha val="38000"/>
-              </a:srgbClr>
-            </a:outerShdw>
-          </a:effectLst>
-        </a:effectStyle>
-        <a:effectStyle>
-          <a:effectLst>
-            <a:outerShdw blurRad="40000" dist="23000" dir="5400000" rotWithShape="0">
-              <a:srgbClr val="000000">
-                <a:alpha val="35000"/>
-              </a:srgbClr>
-            </a:outerShdw>
-          </a:effectLst>
-        </a:effectStyle>
-        <a:effectStyle>
-          <a:effectLst>
-            <a:outerShdw blurRad="40000" dist="23000" dir="5400000" rotWithShape="0">
-              <a:srgbClr val="000000">
-                <a:alpha val="35000"/>
-              </a:srgbClr>
-            </a:outerShdw>
-          </a:effectLst>
-          <a:scene3d>
-            <a:camera prst="orthographicFront">
-              <a:rot lat="0" lon="0" rev="0"/>
-            </a:camera>
-            <a:lightRig rig="threePt" dir="t">
-              <a:rot lat="0" lon="0" rev="1200000"/>
-            </a:lightRig>
-          </a:scene3d>
-          <a:sp3d>
-            <a:bevelT w="63500" h="25400"/>
-          </a:sp3d>
-        </a:effectStyle>
-      </a:effectStyleLst>
-      <a:bgFillStyleLst>
-        <a:solidFill>
-          <a:schemeClr val="phClr"/>
-        </a:solidFill>
-        <a:gradFill rotWithShape="1">
-          <a:gsLst>
-            <a:gs pos="0">
-              <a:schemeClr val="phClr">
-                <a:tint val="40000"/>
-                <a:satMod val="350000"/>
-              </a:schemeClr>
-            </a:gs>
-            <a:gs pos="40000">
-              <a:schemeClr val="phClr">
-                <a:tint val="45000"/>
-                <a:shade val="99000"/>
-                <a:satMod val="350000"/>
-              </a:schemeClr>
-            </a:gs>
-            <a:gs pos="100000">
-              <a:schemeClr val="phClr">
-                <a:shade val="20000"/>
-                <a:satMod val="255000"/>
-              </a:schemeClr>
-            </a:gs>
-          </a:gsLst>
-          <a:path path="circle">
-            <a:fillToRect l="50000" t="-80000" r="50000" b="180000"/>
-          </a:path>
-        </a:gradFill>
-        <a:gradFill rotWithShape="1">
-          <a:gsLst>
-            <a:gs pos="0">
-              <a:schemeClr val="phClr">
-                <a:tint val="80000"/>
-                <a:satMod val="300000"/>
-              </a:schemeClr>
-            </a:gs>
-            <a:gs pos="100000">
-              <a:schemeClr val="phClr">
-                <a:shade val="30000"/>
-                <a:satMod val="200000"/>
-              </a:schemeClr>
-            </a:gs>
-          </a:gsLst>
-          <a:path path="circle">
-            <a:fillToRect l="50000" t="50000" r="50000" b="50000"/>
-          </a:path>
-        </a:gradFill>
-      </a:bgFillStyleLst>
-    </a:fmtScheme>
-  </a:themeElements>
-</a:theme>
 </file>